--- a/写真作成.pptx
+++ b/写真作成.pptx
@@ -105,6 +105,11 @@
       </a:defRPr>
     </a:lvl9pPr>
   </p:defaultTextStyle>
+  <p:extLst>
+    <p:ext uri="{EFAFB233-063F-42B5-8137-9DF3F51BA10A}">
+      <p15:sldGuideLst xmlns:p15="http://schemas.microsoft.com/office/powerpoint/2012/main"/>
+    </p:ext>
+  </p:extLst>
 </p:presentation>
 </file>
 
@@ -255,7 +260,7 @@
           <a:p>
             <a:fld id="{77EB41D0-7896-40BD-9102-58C41A0FEA0F}" type="datetimeFigureOut">
               <a:rPr kumimoji="1" lang="ja-JP" altLang="en-US" smtClean="0"/>
-              <a:t>2021/8/31</a:t>
+              <a:t>2021/9/4</a:t>
             </a:fld>
             <a:endParaRPr kumimoji="1" lang="ja-JP" altLang="en-US"/>
           </a:p>
@@ -485,7 +490,7 @@
           <a:p>
             <a:fld id="{77EB41D0-7896-40BD-9102-58C41A0FEA0F}" type="datetimeFigureOut">
               <a:rPr kumimoji="1" lang="ja-JP" altLang="en-US" smtClean="0"/>
-              <a:t>2021/8/31</a:t>
+              <a:t>2021/9/4</a:t>
             </a:fld>
             <a:endParaRPr kumimoji="1" lang="ja-JP" altLang="en-US"/>
           </a:p>
@@ -725,7 +730,7 @@
           <a:p>
             <a:fld id="{77EB41D0-7896-40BD-9102-58C41A0FEA0F}" type="datetimeFigureOut">
               <a:rPr kumimoji="1" lang="ja-JP" altLang="en-US" smtClean="0"/>
-              <a:t>2021/8/31</a:t>
+              <a:t>2021/9/4</a:t>
             </a:fld>
             <a:endParaRPr kumimoji="1" lang="ja-JP" altLang="en-US"/>
           </a:p>
@@ -955,7 +960,7 @@
           <a:p>
             <a:fld id="{77EB41D0-7896-40BD-9102-58C41A0FEA0F}" type="datetimeFigureOut">
               <a:rPr kumimoji="1" lang="ja-JP" altLang="en-US" smtClean="0"/>
-              <a:t>2021/8/31</a:t>
+              <a:t>2021/9/4</a:t>
             </a:fld>
             <a:endParaRPr kumimoji="1" lang="ja-JP" altLang="en-US"/>
           </a:p>
@@ -1230,7 +1235,7 @@
           <a:p>
             <a:fld id="{77EB41D0-7896-40BD-9102-58C41A0FEA0F}" type="datetimeFigureOut">
               <a:rPr kumimoji="1" lang="ja-JP" altLang="en-US" smtClean="0"/>
-              <a:t>2021/8/31</a:t>
+              <a:t>2021/9/4</a:t>
             </a:fld>
             <a:endParaRPr kumimoji="1" lang="ja-JP" altLang="en-US"/>
           </a:p>
@@ -1559,7 +1564,7 @@
           <a:p>
             <a:fld id="{77EB41D0-7896-40BD-9102-58C41A0FEA0F}" type="datetimeFigureOut">
               <a:rPr kumimoji="1" lang="ja-JP" altLang="en-US" smtClean="0"/>
-              <a:t>2021/8/31</a:t>
+              <a:t>2021/9/4</a:t>
             </a:fld>
             <a:endParaRPr kumimoji="1" lang="ja-JP" altLang="en-US"/>
           </a:p>
@@ -2035,7 +2040,7 @@
           <a:p>
             <a:fld id="{77EB41D0-7896-40BD-9102-58C41A0FEA0F}" type="datetimeFigureOut">
               <a:rPr kumimoji="1" lang="ja-JP" altLang="en-US" smtClean="0"/>
-              <a:t>2021/8/31</a:t>
+              <a:t>2021/9/4</a:t>
             </a:fld>
             <a:endParaRPr kumimoji="1" lang="ja-JP" altLang="en-US"/>
           </a:p>
@@ -2176,7 +2181,7 @@
           <a:p>
             <a:fld id="{77EB41D0-7896-40BD-9102-58C41A0FEA0F}" type="datetimeFigureOut">
               <a:rPr kumimoji="1" lang="ja-JP" altLang="en-US" smtClean="0"/>
-              <a:t>2021/8/31</a:t>
+              <a:t>2021/9/4</a:t>
             </a:fld>
             <a:endParaRPr kumimoji="1" lang="ja-JP" altLang="en-US"/>
           </a:p>
@@ -2289,7 +2294,7 @@
           <a:p>
             <a:fld id="{77EB41D0-7896-40BD-9102-58C41A0FEA0F}" type="datetimeFigureOut">
               <a:rPr kumimoji="1" lang="ja-JP" altLang="en-US" smtClean="0"/>
-              <a:t>2021/8/31</a:t>
+              <a:t>2021/9/4</a:t>
             </a:fld>
             <a:endParaRPr kumimoji="1" lang="ja-JP" altLang="en-US"/>
           </a:p>
@@ -2632,7 +2637,7 @@
           <a:p>
             <a:fld id="{77EB41D0-7896-40BD-9102-58C41A0FEA0F}" type="datetimeFigureOut">
               <a:rPr kumimoji="1" lang="ja-JP" altLang="en-US" smtClean="0"/>
-              <a:t>2021/8/31</a:t>
+              <a:t>2021/9/4</a:t>
             </a:fld>
             <a:endParaRPr kumimoji="1" lang="ja-JP" altLang="en-US"/>
           </a:p>
@@ -2920,7 +2925,7 @@
           <a:p>
             <a:fld id="{77EB41D0-7896-40BD-9102-58C41A0FEA0F}" type="datetimeFigureOut">
               <a:rPr kumimoji="1" lang="ja-JP" altLang="en-US" smtClean="0"/>
-              <a:t>2021/8/31</a:t>
+              <a:t>2021/9/4</a:t>
             </a:fld>
             <a:endParaRPr kumimoji="1" lang="ja-JP" altLang="en-US"/>
           </a:p>
@@ -3193,7 +3198,7 @@
           <a:p>
             <a:fld id="{77EB41D0-7896-40BD-9102-58C41A0FEA0F}" type="datetimeFigureOut">
               <a:rPr kumimoji="1" lang="ja-JP" altLang="en-US" smtClean="0"/>
-              <a:t>2021/8/31</a:t>
+              <a:t>2021/9/4</a:t>
             </a:fld>
             <a:endParaRPr kumimoji="1" lang="ja-JP" altLang="en-US"/>
           </a:p>
@@ -3670,6 +3675,2099 @@
           <a:chExt cx="0" cy="0"/>
         </a:xfrm>
       </p:grpSpPr>
+      <p:grpSp>
+        <p:nvGrpSpPr>
+          <p:cNvPr id="26" name="グループ化 25">
+            <a:extLst>
+              <a:ext uri="{FF2B5EF4-FFF2-40B4-BE49-F238E27FC236}">
+                <a16:creationId xmlns:a16="http://schemas.microsoft.com/office/drawing/2014/main" id="{D8ABEEA7-7C91-439E-AEDA-7F8C3DD3454A}"/>
+              </a:ext>
+            </a:extLst>
+          </p:cNvPr>
+          <p:cNvGrpSpPr/>
+          <p:nvPr/>
+        </p:nvGrpSpPr>
+        <p:grpSpPr>
+          <a:xfrm>
+            <a:off x="1109606" y="476886"/>
+            <a:ext cx="2137029" cy="6335735"/>
+            <a:chOff x="1705506" y="410966"/>
+            <a:chExt cx="2137029" cy="6335735"/>
+          </a:xfrm>
+        </p:grpSpPr>
+        <p:sp>
+          <p:nvSpPr>
+            <p:cNvPr id="2" name="正方形/長方形 1">
+              <a:extLst>
+                <a:ext uri="{FF2B5EF4-FFF2-40B4-BE49-F238E27FC236}">
+                  <a16:creationId xmlns:a16="http://schemas.microsoft.com/office/drawing/2014/main" id="{FDE5C49F-00E3-4052-9C0C-04DFA82F9E3A}"/>
+                </a:ext>
+              </a:extLst>
+            </p:cNvPr>
+            <p:cNvSpPr/>
+            <p:nvPr/>
+          </p:nvSpPr>
+          <p:spPr>
+            <a:xfrm>
+              <a:off x="1705509" y="410966"/>
+              <a:ext cx="2137026" cy="678095"/>
+            </a:xfrm>
+            <a:prstGeom prst="rect">
+              <a:avLst/>
+            </a:prstGeom>
+          </p:spPr>
+          <p:style>
+            <a:lnRef idx="2">
+              <a:schemeClr val="accent1">
+                <a:shade val="50000"/>
+              </a:schemeClr>
+            </a:lnRef>
+            <a:fillRef idx="1">
+              <a:schemeClr val="accent1"/>
+            </a:fillRef>
+            <a:effectRef idx="0">
+              <a:schemeClr val="accent1"/>
+            </a:effectRef>
+            <a:fontRef idx="minor">
+              <a:schemeClr val="lt1"/>
+            </a:fontRef>
+          </p:style>
+          <p:txBody>
+            <a:bodyPr rtlCol="0" anchor="ctr"/>
+            <a:lstStyle/>
+            <a:p>
+              <a:pPr algn="ctr"/>
+              <a:r>
+                <a:rPr kumimoji="1" lang="en-US" altLang="ja-JP" dirty="0"/>
+                <a:t>Index.html</a:t>
+              </a:r>
+            </a:p>
+            <a:p>
+              <a:pPr algn="ctr"/>
+              <a:r>
+                <a:rPr lang="en-US" altLang="ja-JP" dirty="0"/>
+                <a:t>(02_lab00.html)</a:t>
+              </a:r>
+              <a:endParaRPr kumimoji="1" lang="ja-JP" altLang="en-US" dirty="0"/>
+            </a:p>
+          </p:txBody>
+        </p:sp>
+        <p:sp>
+          <p:nvSpPr>
+            <p:cNvPr id="3" name="正方形/長方形 2">
+              <a:extLst>
+                <a:ext uri="{FF2B5EF4-FFF2-40B4-BE49-F238E27FC236}">
+                  <a16:creationId xmlns:a16="http://schemas.microsoft.com/office/drawing/2014/main" id="{C8DD562E-ACB3-486B-9D5A-C1668DEE6835}"/>
+                </a:ext>
+              </a:extLst>
+            </p:cNvPr>
+            <p:cNvSpPr/>
+            <p:nvPr/>
+          </p:nvSpPr>
+          <p:spPr>
+            <a:xfrm>
+              <a:off x="1705509" y="1118171"/>
+              <a:ext cx="2137026" cy="678095"/>
+            </a:xfrm>
+            <a:prstGeom prst="rect">
+              <a:avLst/>
+            </a:prstGeom>
+          </p:spPr>
+          <p:style>
+            <a:lnRef idx="2">
+              <a:schemeClr val="accent1">
+                <a:shade val="50000"/>
+              </a:schemeClr>
+            </a:lnRef>
+            <a:fillRef idx="1">
+              <a:schemeClr val="accent1"/>
+            </a:fillRef>
+            <a:effectRef idx="0">
+              <a:schemeClr val="accent1"/>
+            </a:effectRef>
+            <a:fontRef idx="minor">
+              <a:schemeClr val="lt1"/>
+            </a:fontRef>
+          </p:style>
+          <p:txBody>
+            <a:bodyPr rtlCol="0" anchor="ctr"/>
+            <a:lstStyle/>
+            <a:p>
+              <a:pPr algn="ctr"/>
+              <a:r>
+                <a:rPr lang="en-US" altLang="ja-JP" dirty="0"/>
+                <a:t>lab01</a:t>
+              </a:r>
+              <a:r>
+                <a:rPr kumimoji="1" lang="en-US" altLang="ja-JP" dirty="0"/>
+                <a:t>.html</a:t>
+              </a:r>
+            </a:p>
+            <a:p>
+              <a:pPr algn="ctr"/>
+              <a:r>
+                <a:rPr lang="en-US" altLang="ja-JP" dirty="0"/>
+                <a:t>(02_lab01.html)</a:t>
+              </a:r>
+              <a:endParaRPr kumimoji="1" lang="ja-JP" altLang="en-US" dirty="0"/>
+            </a:p>
+          </p:txBody>
+        </p:sp>
+        <p:sp>
+          <p:nvSpPr>
+            <p:cNvPr id="7" name="正方形/長方形 6">
+              <a:extLst>
+                <a:ext uri="{FF2B5EF4-FFF2-40B4-BE49-F238E27FC236}">
+                  <a16:creationId xmlns:a16="http://schemas.microsoft.com/office/drawing/2014/main" id="{7E600C27-B4AB-4405-9916-A06D828D88B5}"/>
+                </a:ext>
+              </a:extLst>
+            </p:cNvPr>
+            <p:cNvSpPr/>
+            <p:nvPr/>
+          </p:nvSpPr>
+          <p:spPr>
+            <a:xfrm>
+              <a:off x="1705509" y="1825376"/>
+              <a:ext cx="2137026" cy="678095"/>
+            </a:xfrm>
+            <a:prstGeom prst="rect">
+              <a:avLst/>
+            </a:prstGeom>
+          </p:spPr>
+          <p:style>
+            <a:lnRef idx="2">
+              <a:schemeClr val="accent1">
+                <a:shade val="50000"/>
+              </a:schemeClr>
+            </a:lnRef>
+            <a:fillRef idx="1">
+              <a:schemeClr val="accent1"/>
+            </a:fillRef>
+            <a:effectRef idx="0">
+              <a:schemeClr val="accent1"/>
+            </a:effectRef>
+            <a:fontRef idx="minor">
+              <a:schemeClr val="lt1"/>
+            </a:fontRef>
+          </p:style>
+          <p:txBody>
+            <a:bodyPr rtlCol="0" anchor="ctr"/>
+            <a:lstStyle/>
+            <a:p>
+              <a:pPr algn="ctr"/>
+              <a:r>
+                <a:rPr lang="en-US" altLang="ja-JP" dirty="0"/>
+                <a:t>lab02</a:t>
+              </a:r>
+              <a:r>
+                <a:rPr kumimoji="1" lang="en-US" altLang="ja-JP" dirty="0"/>
+                <a:t>.html</a:t>
+              </a:r>
+            </a:p>
+            <a:p>
+              <a:pPr algn="ctr"/>
+              <a:r>
+                <a:rPr lang="en-US" altLang="ja-JP" dirty="0"/>
+                <a:t>(02_lab02.html)</a:t>
+              </a:r>
+              <a:endParaRPr kumimoji="1" lang="ja-JP" altLang="en-US" dirty="0"/>
+            </a:p>
+          </p:txBody>
+        </p:sp>
+        <p:sp>
+          <p:nvSpPr>
+            <p:cNvPr id="8" name="正方形/長方形 7">
+              <a:extLst>
+                <a:ext uri="{FF2B5EF4-FFF2-40B4-BE49-F238E27FC236}">
+                  <a16:creationId xmlns:a16="http://schemas.microsoft.com/office/drawing/2014/main" id="{7C6FFBBA-E4BF-40CE-A552-84D49F3EF41D}"/>
+                </a:ext>
+              </a:extLst>
+            </p:cNvPr>
+            <p:cNvSpPr/>
+            <p:nvPr/>
+          </p:nvSpPr>
+          <p:spPr>
+            <a:xfrm>
+              <a:off x="1705509" y="3946991"/>
+              <a:ext cx="2137026" cy="678095"/>
+            </a:xfrm>
+            <a:prstGeom prst="rect">
+              <a:avLst/>
+            </a:prstGeom>
+          </p:spPr>
+          <p:style>
+            <a:lnRef idx="2">
+              <a:schemeClr val="accent1">
+                <a:shade val="50000"/>
+              </a:schemeClr>
+            </a:lnRef>
+            <a:fillRef idx="1">
+              <a:schemeClr val="accent1"/>
+            </a:fillRef>
+            <a:effectRef idx="0">
+              <a:schemeClr val="accent1"/>
+            </a:effectRef>
+            <a:fontRef idx="minor">
+              <a:schemeClr val="lt1"/>
+            </a:fontRef>
+          </p:style>
+          <p:txBody>
+            <a:bodyPr rtlCol="0" anchor="ctr"/>
+            <a:lstStyle/>
+            <a:p>
+              <a:pPr algn="ctr"/>
+              <a:r>
+                <a:rPr lang="en-US" altLang="ja-JP" dirty="0"/>
+                <a:t>lab05</a:t>
+              </a:r>
+              <a:r>
+                <a:rPr kumimoji="1" lang="en-US" altLang="ja-JP" dirty="0"/>
+                <a:t>.html</a:t>
+              </a:r>
+            </a:p>
+            <a:p>
+              <a:pPr algn="ctr"/>
+              <a:r>
+                <a:rPr lang="en-US" altLang="ja-JP" dirty="0"/>
+                <a:t>(02_lab05.html)</a:t>
+              </a:r>
+              <a:endParaRPr kumimoji="1" lang="ja-JP" altLang="en-US" dirty="0"/>
+            </a:p>
+          </p:txBody>
+        </p:sp>
+        <p:sp>
+          <p:nvSpPr>
+            <p:cNvPr id="9" name="正方形/長方形 8">
+              <a:extLst>
+                <a:ext uri="{FF2B5EF4-FFF2-40B4-BE49-F238E27FC236}">
+                  <a16:creationId xmlns:a16="http://schemas.microsoft.com/office/drawing/2014/main" id="{0E30B764-9B8A-40E8-8894-4F3EAF81C837}"/>
+                </a:ext>
+              </a:extLst>
+            </p:cNvPr>
+            <p:cNvSpPr/>
+            <p:nvPr/>
+          </p:nvSpPr>
+          <p:spPr>
+            <a:xfrm>
+              <a:off x="1705509" y="3239786"/>
+              <a:ext cx="2137026" cy="678095"/>
+            </a:xfrm>
+            <a:prstGeom prst="rect">
+              <a:avLst/>
+            </a:prstGeom>
+          </p:spPr>
+          <p:style>
+            <a:lnRef idx="2">
+              <a:schemeClr val="accent1">
+                <a:shade val="50000"/>
+              </a:schemeClr>
+            </a:lnRef>
+            <a:fillRef idx="1">
+              <a:schemeClr val="accent1"/>
+            </a:fillRef>
+            <a:effectRef idx="0">
+              <a:schemeClr val="accent1"/>
+            </a:effectRef>
+            <a:fontRef idx="minor">
+              <a:schemeClr val="lt1"/>
+            </a:fontRef>
+          </p:style>
+          <p:txBody>
+            <a:bodyPr rtlCol="0" anchor="ctr"/>
+            <a:lstStyle/>
+            <a:p>
+              <a:pPr algn="ctr"/>
+              <a:r>
+                <a:rPr lang="en-US" altLang="ja-JP" dirty="0"/>
+                <a:t>lab04</a:t>
+              </a:r>
+              <a:r>
+                <a:rPr kumimoji="1" lang="en-US" altLang="ja-JP" dirty="0"/>
+                <a:t>.html</a:t>
+              </a:r>
+            </a:p>
+            <a:p>
+              <a:pPr algn="ctr"/>
+              <a:r>
+                <a:rPr lang="en-US" altLang="ja-JP" dirty="0"/>
+                <a:t>(02_lab04.html)</a:t>
+              </a:r>
+              <a:endParaRPr kumimoji="1" lang="ja-JP" altLang="en-US" dirty="0"/>
+            </a:p>
+          </p:txBody>
+        </p:sp>
+        <p:sp>
+          <p:nvSpPr>
+            <p:cNvPr id="10" name="正方形/長方形 9">
+              <a:extLst>
+                <a:ext uri="{FF2B5EF4-FFF2-40B4-BE49-F238E27FC236}">
+                  <a16:creationId xmlns:a16="http://schemas.microsoft.com/office/drawing/2014/main" id="{E0728810-CB25-4C27-B9B2-B542A4BF0D3C}"/>
+                </a:ext>
+              </a:extLst>
+            </p:cNvPr>
+            <p:cNvSpPr/>
+            <p:nvPr/>
+          </p:nvSpPr>
+          <p:spPr>
+            <a:xfrm>
+              <a:off x="1705509" y="2532581"/>
+              <a:ext cx="2137026" cy="678095"/>
+            </a:xfrm>
+            <a:prstGeom prst="rect">
+              <a:avLst/>
+            </a:prstGeom>
+          </p:spPr>
+          <p:style>
+            <a:lnRef idx="2">
+              <a:schemeClr val="accent1">
+                <a:shade val="50000"/>
+              </a:schemeClr>
+            </a:lnRef>
+            <a:fillRef idx="1">
+              <a:schemeClr val="accent1"/>
+            </a:fillRef>
+            <a:effectRef idx="0">
+              <a:schemeClr val="accent1"/>
+            </a:effectRef>
+            <a:fontRef idx="minor">
+              <a:schemeClr val="lt1"/>
+            </a:fontRef>
+          </p:style>
+          <p:txBody>
+            <a:bodyPr rtlCol="0" anchor="ctr"/>
+            <a:lstStyle/>
+            <a:p>
+              <a:pPr algn="ctr"/>
+              <a:r>
+                <a:rPr lang="en-US" altLang="ja-JP" dirty="0"/>
+                <a:t>lab03</a:t>
+              </a:r>
+              <a:r>
+                <a:rPr kumimoji="1" lang="en-US" altLang="ja-JP" dirty="0"/>
+                <a:t>.html</a:t>
+              </a:r>
+            </a:p>
+            <a:p>
+              <a:pPr algn="ctr"/>
+              <a:r>
+                <a:rPr lang="en-US" altLang="ja-JP" dirty="0"/>
+                <a:t>(02_lab03.html)</a:t>
+              </a:r>
+              <a:endParaRPr kumimoji="1" lang="ja-JP" altLang="en-US" dirty="0"/>
+            </a:p>
+          </p:txBody>
+        </p:sp>
+        <p:sp>
+          <p:nvSpPr>
+            <p:cNvPr id="11" name="正方形/長方形 10">
+              <a:extLst>
+                <a:ext uri="{FF2B5EF4-FFF2-40B4-BE49-F238E27FC236}">
+                  <a16:creationId xmlns:a16="http://schemas.microsoft.com/office/drawing/2014/main" id="{E351DF10-0D4C-4FF3-B034-AB67DB7ADDC7}"/>
+                </a:ext>
+              </a:extLst>
+            </p:cNvPr>
+            <p:cNvSpPr/>
+            <p:nvPr/>
+          </p:nvSpPr>
+          <p:spPr>
+            <a:xfrm>
+              <a:off x="1705508" y="4654196"/>
+              <a:ext cx="2137026" cy="678095"/>
+            </a:xfrm>
+            <a:prstGeom prst="rect">
+              <a:avLst/>
+            </a:prstGeom>
+            <a:solidFill>
+              <a:schemeClr val="accent2"/>
+            </a:solidFill>
+            <a:ln>
+              <a:solidFill>
+                <a:schemeClr val="accent2">
+                  <a:lumMod val="75000"/>
+                </a:schemeClr>
+              </a:solidFill>
+            </a:ln>
+          </p:spPr>
+          <p:style>
+            <a:lnRef idx="2">
+              <a:schemeClr val="accent1">
+                <a:shade val="50000"/>
+              </a:schemeClr>
+            </a:lnRef>
+            <a:fillRef idx="1">
+              <a:schemeClr val="accent1"/>
+            </a:fillRef>
+            <a:effectRef idx="0">
+              <a:schemeClr val="accent1"/>
+            </a:effectRef>
+            <a:fontRef idx="minor">
+              <a:schemeClr val="lt1"/>
+            </a:fontRef>
+          </p:style>
+          <p:txBody>
+            <a:bodyPr rtlCol="0" anchor="ctr"/>
+            <a:lstStyle/>
+            <a:p>
+              <a:pPr algn="ctr"/>
+              <a:r>
+                <a:rPr lang="en-US" altLang="ja-JP" dirty="0"/>
+                <a:t>s</a:t>
+              </a:r>
+              <a:r>
+                <a:rPr kumimoji="1" lang="en-US" altLang="ja-JP" dirty="0"/>
+                <a:t>tyle.css</a:t>
+              </a:r>
+            </a:p>
+            <a:p>
+              <a:pPr algn="ctr"/>
+              <a:r>
+                <a:rPr lang="en-US" altLang="ja-JP" dirty="0"/>
+                <a:t>(style02.css)</a:t>
+              </a:r>
+              <a:endParaRPr kumimoji="1" lang="ja-JP" altLang="en-US" dirty="0"/>
+            </a:p>
+          </p:txBody>
+        </p:sp>
+        <p:sp>
+          <p:nvSpPr>
+            <p:cNvPr id="12" name="正方形/長方形 11">
+              <a:extLst>
+                <a:ext uri="{FF2B5EF4-FFF2-40B4-BE49-F238E27FC236}">
+                  <a16:creationId xmlns:a16="http://schemas.microsoft.com/office/drawing/2014/main" id="{C2B9ABF1-641D-43EF-8CC0-47CA25C75E6B}"/>
+                </a:ext>
+              </a:extLst>
+            </p:cNvPr>
+            <p:cNvSpPr/>
+            <p:nvPr/>
+          </p:nvSpPr>
+          <p:spPr>
+            <a:xfrm>
+              <a:off x="1705507" y="5361401"/>
+              <a:ext cx="2137026" cy="678095"/>
+            </a:xfrm>
+            <a:prstGeom prst="rect">
+              <a:avLst/>
+            </a:prstGeom>
+            <a:solidFill>
+              <a:schemeClr val="accent6"/>
+            </a:solidFill>
+            <a:ln>
+              <a:solidFill>
+                <a:schemeClr val="accent6">
+                  <a:lumMod val="75000"/>
+                </a:schemeClr>
+              </a:solidFill>
+            </a:ln>
+          </p:spPr>
+          <p:style>
+            <a:lnRef idx="2">
+              <a:schemeClr val="accent1">
+                <a:shade val="50000"/>
+              </a:schemeClr>
+            </a:lnRef>
+            <a:fillRef idx="1">
+              <a:schemeClr val="accent1"/>
+            </a:fillRef>
+            <a:effectRef idx="0">
+              <a:schemeClr val="accent1"/>
+            </a:effectRef>
+            <a:fontRef idx="minor">
+              <a:schemeClr val="lt1"/>
+            </a:fontRef>
+          </p:style>
+          <p:txBody>
+            <a:bodyPr rtlCol="0" anchor="ctr"/>
+            <a:lstStyle/>
+            <a:p>
+              <a:pPr algn="ctr"/>
+              <a:r>
+                <a:rPr kumimoji="1" lang="en-US" altLang="ja-JP" dirty="0" err="1"/>
+                <a:t>yaganiviPhoto</a:t>
+              </a:r>
+              <a:endParaRPr kumimoji="1" lang="ja-JP" altLang="en-US" dirty="0"/>
+            </a:p>
+          </p:txBody>
+        </p:sp>
+        <p:sp>
+          <p:nvSpPr>
+            <p:cNvPr id="13" name="正方形/長方形 12">
+              <a:extLst>
+                <a:ext uri="{FF2B5EF4-FFF2-40B4-BE49-F238E27FC236}">
+                  <a16:creationId xmlns:a16="http://schemas.microsoft.com/office/drawing/2014/main" id="{A69C974D-D0D8-478C-890E-2AFE1A4E4B00}"/>
+                </a:ext>
+              </a:extLst>
+            </p:cNvPr>
+            <p:cNvSpPr/>
+            <p:nvPr/>
+          </p:nvSpPr>
+          <p:spPr>
+            <a:xfrm>
+              <a:off x="1705506" y="6068606"/>
+              <a:ext cx="2137026" cy="678095"/>
+            </a:xfrm>
+            <a:prstGeom prst="rect">
+              <a:avLst/>
+            </a:prstGeom>
+            <a:solidFill>
+              <a:schemeClr val="accent6"/>
+            </a:solidFill>
+            <a:ln>
+              <a:solidFill>
+                <a:schemeClr val="accent6">
+                  <a:lumMod val="75000"/>
+                </a:schemeClr>
+              </a:solidFill>
+            </a:ln>
+          </p:spPr>
+          <p:style>
+            <a:lnRef idx="2">
+              <a:schemeClr val="accent1">
+                <a:shade val="50000"/>
+              </a:schemeClr>
+            </a:lnRef>
+            <a:fillRef idx="1">
+              <a:schemeClr val="accent1"/>
+            </a:fillRef>
+            <a:effectRef idx="0">
+              <a:schemeClr val="accent1"/>
+            </a:effectRef>
+            <a:fontRef idx="minor">
+              <a:schemeClr val="lt1"/>
+            </a:fontRef>
+          </p:style>
+          <p:txBody>
+            <a:bodyPr rtlCol="0" anchor="ctr"/>
+            <a:lstStyle/>
+            <a:p>
+              <a:pPr algn="ctr"/>
+              <a:r>
+                <a:rPr kumimoji="1" lang="en-US" altLang="ja-JP" dirty="0" err="1"/>
+                <a:t>yaganaviContents</a:t>
+              </a:r>
+              <a:endParaRPr kumimoji="1" lang="ja-JP" altLang="en-US" dirty="0"/>
+            </a:p>
+          </p:txBody>
+        </p:sp>
+      </p:grpSp>
+      <p:grpSp>
+        <p:nvGrpSpPr>
+          <p:cNvPr id="27" name="グループ化 26">
+            <a:extLst>
+              <a:ext uri="{FF2B5EF4-FFF2-40B4-BE49-F238E27FC236}">
+                <a16:creationId xmlns:a16="http://schemas.microsoft.com/office/drawing/2014/main" id="{7AF176DB-D185-40B3-856D-B616621F3E2A}"/>
+              </a:ext>
+            </a:extLst>
+          </p:cNvPr>
+          <p:cNvGrpSpPr/>
+          <p:nvPr/>
+        </p:nvGrpSpPr>
+        <p:grpSpPr>
+          <a:xfrm>
+            <a:off x="5027487" y="30822"/>
+            <a:ext cx="2137026" cy="6359725"/>
+            <a:chOff x="4775767" y="359594"/>
+            <a:chExt cx="2137026" cy="6359725"/>
+          </a:xfrm>
+          <a:solidFill>
+            <a:schemeClr val="accent5"/>
+          </a:solidFill>
+        </p:grpSpPr>
+        <p:sp>
+          <p:nvSpPr>
+            <p:cNvPr id="14" name="正方形/長方形 13">
+              <a:extLst>
+                <a:ext uri="{FF2B5EF4-FFF2-40B4-BE49-F238E27FC236}">
+                  <a16:creationId xmlns:a16="http://schemas.microsoft.com/office/drawing/2014/main" id="{BD7AA97C-C2DD-487D-B72B-66D847FF2FD9}"/>
+                </a:ext>
+              </a:extLst>
+            </p:cNvPr>
+            <p:cNvSpPr/>
+            <p:nvPr/>
+          </p:nvSpPr>
+          <p:spPr>
+            <a:xfrm>
+              <a:off x="4775767" y="359594"/>
+              <a:ext cx="2137026" cy="482887"/>
+            </a:xfrm>
+            <a:prstGeom prst="rect">
+              <a:avLst/>
+            </a:prstGeom>
+            <a:grpFill/>
+            <a:ln>
+              <a:solidFill>
+                <a:schemeClr val="accent5">
+                  <a:lumMod val="75000"/>
+                </a:schemeClr>
+              </a:solidFill>
+            </a:ln>
+          </p:spPr>
+          <p:style>
+            <a:lnRef idx="2">
+              <a:schemeClr val="accent1">
+                <a:shade val="50000"/>
+              </a:schemeClr>
+            </a:lnRef>
+            <a:fillRef idx="1">
+              <a:schemeClr val="accent1"/>
+            </a:fillRef>
+            <a:effectRef idx="0">
+              <a:schemeClr val="accent1"/>
+            </a:effectRef>
+            <a:fontRef idx="minor">
+              <a:schemeClr val="lt1"/>
+            </a:fontRef>
+          </p:style>
+          <p:txBody>
+            <a:bodyPr rtlCol="0" anchor="ctr"/>
+            <a:lstStyle/>
+            <a:p>
+              <a:pPr algn="ctr"/>
+              <a:r>
+                <a:rPr kumimoji="1" lang="en-US" altLang="ja-JP" dirty="0"/>
+                <a:t>Index_h.jpg</a:t>
+              </a:r>
+              <a:endParaRPr kumimoji="1" lang="ja-JP" altLang="en-US" dirty="0"/>
+            </a:p>
+          </p:txBody>
+        </p:sp>
+        <p:sp>
+          <p:nvSpPr>
+            <p:cNvPr id="15" name="正方形/長方形 14">
+              <a:extLst>
+                <a:ext uri="{FF2B5EF4-FFF2-40B4-BE49-F238E27FC236}">
+                  <a16:creationId xmlns:a16="http://schemas.microsoft.com/office/drawing/2014/main" id="{9B7CD400-B3E1-4A5E-89DB-B7D9B36AE0BB}"/>
+                </a:ext>
+              </a:extLst>
+            </p:cNvPr>
+            <p:cNvSpPr/>
+            <p:nvPr/>
+          </p:nvSpPr>
+          <p:spPr>
+            <a:xfrm>
+              <a:off x="4775767" y="893852"/>
+              <a:ext cx="2137026" cy="482887"/>
+            </a:xfrm>
+            <a:prstGeom prst="rect">
+              <a:avLst/>
+            </a:prstGeom>
+            <a:grpFill/>
+            <a:ln>
+              <a:solidFill>
+                <a:schemeClr val="accent5">
+                  <a:lumMod val="75000"/>
+                </a:schemeClr>
+              </a:solidFill>
+            </a:ln>
+          </p:spPr>
+          <p:style>
+            <a:lnRef idx="2">
+              <a:schemeClr val="accent1">
+                <a:shade val="50000"/>
+              </a:schemeClr>
+            </a:lnRef>
+            <a:fillRef idx="1">
+              <a:schemeClr val="accent1"/>
+            </a:fillRef>
+            <a:effectRef idx="0">
+              <a:schemeClr val="accent1"/>
+            </a:effectRef>
+            <a:fontRef idx="minor">
+              <a:schemeClr val="lt1"/>
+            </a:fontRef>
+          </p:style>
+          <p:txBody>
+            <a:bodyPr rtlCol="0" anchor="ctr"/>
+            <a:lstStyle/>
+            <a:p>
+              <a:pPr algn="ctr"/>
+              <a:r>
+                <a:rPr kumimoji="1" lang="en-US" altLang="ja-JP" dirty="0"/>
+                <a:t>Index_v.jpg</a:t>
+              </a:r>
+              <a:endParaRPr kumimoji="1" lang="ja-JP" altLang="en-US" dirty="0"/>
+            </a:p>
+          </p:txBody>
+        </p:sp>
+        <p:sp>
+          <p:nvSpPr>
+            <p:cNvPr id="16" name="正方形/長方形 15">
+              <a:extLst>
+                <a:ext uri="{FF2B5EF4-FFF2-40B4-BE49-F238E27FC236}">
+                  <a16:creationId xmlns:a16="http://schemas.microsoft.com/office/drawing/2014/main" id="{2B9FE380-EAC6-4922-A283-9B81B5A0E8E7}"/>
+                </a:ext>
+              </a:extLst>
+            </p:cNvPr>
+            <p:cNvSpPr/>
+            <p:nvPr/>
+          </p:nvSpPr>
+          <p:spPr>
+            <a:xfrm>
+              <a:off x="4775767" y="1428110"/>
+              <a:ext cx="2137026" cy="482887"/>
+            </a:xfrm>
+            <a:prstGeom prst="rect">
+              <a:avLst/>
+            </a:prstGeom>
+            <a:grpFill/>
+            <a:ln>
+              <a:solidFill>
+                <a:schemeClr val="accent5">
+                  <a:lumMod val="75000"/>
+                </a:schemeClr>
+              </a:solidFill>
+            </a:ln>
+          </p:spPr>
+          <p:style>
+            <a:lnRef idx="2">
+              <a:schemeClr val="accent1">
+                <a:shade val="50000"/>
+              </a:schemeClr>
+            </a:lnRef>
+            <a:fillRef idx="1">
+              <a:schemeClr val="accent1"/>
+            </a:fillRef>
+            <a:effectRef idx="0">
+              <a:schemeClr val="accent1"/>
+            </a:effectRef>
+            <a:fontRef idx="minor">
+              <a:schemeClr val="lt1"/>
+            </a:fontRef>
+          </p:style>
+          <p:txBody>
+            <a:bodyPr rtlCol="0" anchor="ctr"/>
+            <a:lstStyle/>
+            <a:p>
+              <a:pPr algn="ctr"/>
+              <a:r>
+                <a:rPr kumimoji="1" lang="en-US" altLang="ja-JP" dirty="0"/>
+                <a:t>lab01_h.jpg</a:t>
+              </a:r>
+              <a:endParaRPr kumimoji="1" lang="ja-JP" altLang="en-US" dirty="0"/>
+            </a:p>
+          </p:txBody>
+        </p:sp>
+        <p:sp>
+          <p:nvSpPr>
+            <p:cNvPr id="17" name="正方形/長方形 16">
+              <a:extLst>
+                <a:ext uri="{FF2B5EF4-FFF2-40B4-BE49-F238E27FC236}">
+                  <a16:creationId xmlns:a16="http://schemas.microsoft.com/office/drawing/2014/main" id="{FB07E4E6-A150-4F05-BD79-22962E02C054}"/>
+                </a:ext>
+              </a:extLst>
+            </p:cNvPr>
+            <p:cNvSpPr/>
+            <p:nvPr/>
+          </p:nvSpPr>
+          <p:spPr>
+            <a:xfrm>
+              <a:off x="4775767" y="1962368"/>
+              <a:ext cx="2137026" cy="482887"/>
+            </a:xfrm>
+            <a:prstGeom prst="rect">
+              <a:avLst/>
+            </a:prstGeom>
+            <a:grpFill/>
+            <a:ln>
+              <a:solidFill>
+                <a:schemeClr val="accent5">
+                  <a:lumMod val="75000"/>
+                </a:schemeClr>
+              </a:solidFill>
+            </a:ln>
+          </p:spPr>
+          <p:style>
+            <a:lnRef idx="2">
+              <a:schemeClr val="accent1">
+                <a:shade val="50000"/>
+              </a:schemeClr>
+            </a:lnRef>
+            <a:fillRef idx="1">
+              <a:schemeClr val="accent1"/>
+            </a:fillRef>
+            <a:effectRef idx="0">
+              <a:schemeClr val="accent1"/>
+            </a:effectRef>
+            <a:fontRef idx="minor">
+              <a:schemeClr val="lt1"/>
+            </a:fontRef>
+          </p:style>
+          <p:txBody>
+            <a:bodyPr rtlCol="0" anchor="ctr"/>
+            <a:lstStyle/>
+            <a:p>
+              <a:pPr algn="ctr"/>
+              <a:r>
+                <a:rPr lang="en-US" altLang="ja-JP" dirty="0"/>
+                <a:t>lab01</a:t>
+              </a:r>
+              <a:r>
+                <a:rPr kumimoji="1" lang="en-US" altLang="ja-JP" dirty="0"/>
+                <a:t>_v.jpg</a:t>
+              </a:r>
+              <a:endParaRPr kumimoji="1" lang="ja-JP" altLang="en-US" dirty="0"/>
+            </a:p>
+          </p:txBody>
+        </p:sp>
+        <p:sp>
+          <p:nvSpPr>
+            <p:cNvPr id="18" name="正方形/長方形 17">
+              <a:extLst>
+                <a:ext uri="{FF2B5EF4-FFF2-40B4-BE49-F238E27FC236}">
+                  <a16:creationId xmlns:a16="http://schemas.microsoft.com/office/drawing/2014/main" id="{F96DD7F2-06C1-4F1A-B6DD-530CF52127F7}"/>
+                </a:ext>
+              </a:extLst>
+            </p:cNvPr>
+            <p:cNvSpPr/>
+            <p:nvPr/>
+          </p:nvSpPr>
+          <p:spPr>
+            <a:xfrm>
+              <a:off x="4775767" y="2496626"/>
+              <a:ext cx="2137026" cy="482887"/>
+            </a:xfrm>
+            <a:prstGeom prst="rect">
+              <a:avLst/>
+            </a:prstGeom>
+            <a:grpFill/>
+            <a:ln>
+              <a:solidFill>
+                <a:schemeClr val="accent5">
+                  <a:lumMod val="75000"/>
+                </a:schemeClr>
+              </a:solidFill>
+            </a:ln>
+          </p:spPr>
+          <p:style>
+            <a:lnRef idx="2">
+              <a:schemeClr val="accent1">
+                <a:shade val="50000"/>
+              </a:schemeClr>
+            </a:lnRef>
+            <a:fillRef idx="1">
+              <a:schemeClr val="accent1"/>
+            </a:fillRef>
+            <a:effectRef idx="0">
+              <a:schemeClr val="accent1"/>
+            </a:effectRef>
+            <a:fontRef idx="minor">
+              <a:schemeClr val="lt1"/>
+            </a:fontRef>
+          </p:style>
+          <p:txBody>
+            <a:bodyPr rtlCol="0" anchor="ctr"/>
+            <a:lstStyle/>
+            <a:p>
+              <a:pPr algn="ctr"/>
+              <a:r>
+                <a:rPr lang="en-US" altLang="ja-JP" dirty="0"/>
+                <a:t>lab02</a:t>
+              </a:r>
+              <a:r>
+                <a:rPr kumimoji="1" lang="en-US" altLang="ja-JP" dirty="0"/>
+                <a:t>_h.jpg</a:t>
+              </a:r>
+              <a:endParaRPr kumimoji="1" lang="ja-JP" altLang="en-US" dirty="0"/>
+            </a:p>
+          </p:txBody>
+        </p:sp>
+        <p:sp>
+          <p:nvSpPr>
+            <p:cNvPr id="19" name="正方形/長方形 18">
+              <a:extLst>
+                <a:ext uri="{FF2B5EF4-FFF2-40B4-BE49-F238E27FC236}">
+                  <a16:creationId xmlns:a16="http://schemas.microsoft.com/office/drawing/2014/main" id="{5881EE88-05A4-4C45-B0A7-1259BB9BE10E}"/>
+                </a:ext>
+              </a:extLst>
+            </p:cNvPr>
+            <p:cNvSpPr/>
+            <p:nvPr/>
+          </p:nvSpPr>
+          <p:spPr>
+            <a:xfrm>
+              <a:off x="4775767" y="3030884"/>
+              <a:ext cx="2137026" cy="482887"/>
+            </a:xfrm>
+            <a:prstGeom prst="rect">
+              <a:avLst/>
+            </a:prstGeom>
+            <a:grpFill/>
+            <a:ln>
+              <a:solidFill>
+                <a:schemeClr val="accent5">
+                  <a:lumMod val="75000"/>
+                </a:schemeClr>
+              </a:solidFill>
+            </a:ln>
+          </p:spPr>
+          <p:style>
+            <a:lnRef idx="2">
+              <a:schemeClr val="accent1">
+                <a:shade val="50000"/>
+              </a:schemeClr>
+            </a:lnRef>
+            <a:fillRef idx="1">
+              <a:schemeClr val="accent1"/>
+            </a:fillRef>
+            <a:effectRef idx="0">
+              <a:schemeClr val="accent1"/>
+            </a:effectRef>
+            <a:fontRef idx="minor">
+              <a:schemeClr val="lt1"/>
+            </a:fontRef>
+          </p:style>
+          <p:txBody>
+            <a:bodyPr rtlCol="0" anchor="ctr"/>
+            <a:lstStyle/>
+            <a:p>
+              <a:pPr algn="ctr"/>
+              <a:r>
+                <a:rPr lang="en-US" altLang="ja-JP" dirty="0"/>
+                <a:t>lab02</a:t>
+              </a:r>
+              <a:r>
+                <a:rPr kumimoji="1" lang="en-US" altLang="ja-JP" dirty="0"/>
+                <a:t>_v.jpg</a:t>
+              </a:r>
+              <a:endParaRPr kumimoji="1" lang="ja-JP" altLang="en-US" dirty="0"/>
+            </a:p>
+          </p:txBody>
+        </p:sp>
+        <p:sp>
+          <p:nvSpPr>
+            <p:cNvPr id="20" name="正方形/長方形 19">
+              <a:extLst>
+                <a:ext uri="{FF2B5EF4-FFF2-40B4-BE49-F238E27FC236}">
+                  <a16:creationId xmlns:a16="http://schemas.microsoft.com/office/drawing/2014/main" id="{CB11F6E7-B24A-4C61-8244-4900721196A3}"/>
+                </a:ext>
+              </a:extLst>
+            </p:cNvPr>
+            <p:cNvSpPr/>
+            <p:nvPr/>
+          </p:nvSpPr>
+          <p:spPr>
+            <a:xfrm>
+              <a:off x="4775767" y="3565142"/>
+              <a:ext cx="2137026" cy="482887"/>
+            </a:xfrm>
+            <a:prstGeom prst="rect">
+              <a:avLst/>
+            </a:prstGeom>
+            <a:grpFill/>
+            <a:ln>
+              <a:solidFill>
+                <a:schemeClr val="accent5">
+                  <a:lumMod val="75000"/>
+                </a:schemeClr>
+              </a:solidFill>
+            </a:ln>
+          </p:spPr>
+          <p:style>
+            <a:lnRef idx="2">
+              <a:schemeClr val="accent1">
+                <a:shade val="50000"/>
+              </a:schemeClr>
+            </a:lnRef>
+            <a:fillRef idx="1">
+              <a:schemeClr val="accent1"/>
+            </a:fillRef>
+            <a:effectRef idx="0">
+              <a:schemeClr val="accent1"/>
+            </a:effectRef>
+            <a:fontRef idx="minor">
+              <a:schemeClr val="lt1"/>
+            </a:fontRef>
+          </p:style>
+          <p:txBody>
+            <a:bodyPr rtlCol="0" anchor="ctr"/>
+            <a:lstStyle/>
+            <a:p>
+              <a:pPr algn="ctr"/>
+              <a:r>
+                <a:rPr kumimoji="1" lang="en-US" altLang="ja-JP" dirty="0"/>
+                <a:t>lab03_h.jpg</a:t>
+              </a:r>
+              <a:endParaRPr kumimoji="1" lang="ja-JP" altLang="en-US" dirty="0"/>
+            </a:p>
+          </p:txBody>
+        </p:sp>
+        <p:sp>
+          <p:nvSpPr>
+            <p:cNvPr id="21" name="正方形/長方形 20">
+              <a:extLst>
+                <a:ext uri="{FF2B5EF4-FFF2-40B4-BE49-F238E27FC236}">
+                  <a16:creationId xmlns:a16="http://schemas.microsoft.com/office/drawing/2014/main" id="{608A3179-26C8-417F-918C-C2DAE58E8327}"/>
+                </a:ext>
+              </a:extLst>
+            </p:cNvPr>
+            <p:cNvSpPr/>
+            <p:nvPr/>
+          </p:nvSpPr>
+          <p:spPr>
+            <a:xfrm>
+              <a:off x="4775767" y="4099400"/>
+              <a:ext cx="2137026" cy="482887"/>
+            </a:xfrm>
+            <a:prstGeom prst="rect">
+              <a:avLst/>
+            </a:prstGeom>
+            <a:grpFill/>
+            <a:ln>
+              <a:solidFill>
+                <a:schemeClr val="accent5">
+                  <a:lumMod val="75000"/>
+                </a:schemeClr>
+              </a:solidFill>
+            </a:ln>
+          </p:spPr>
+          <p:style>
+            <a:lnRef idx="2">
+              <a:schemeClr val="accent1">
+                <a:shade val="50000"/>
+              </a:schemeClr>
+            </a:lnRef>
+            <a:fillRef idx="1">
+              <a:schemeClr val="accent1"/>
+            </a:fillRef>
+            <a:effectRef idx="0">
+              <a:schemeClr val="accent1"/>
+            </a:effectRef>
+            <a:fontRef idx="minor">
+              <a:schemeClr val="lt1"/>
+            </a:fontRef>
+          </p:style>
+          <p:txBody>
+            <a:bodyPr rtlCol="0" anchor="ctr"/>
+            <a:lstStyle/>
+            <a:p>
+              <a:pPr algn="ctr"/>
+              <a:r>
+                <a:rPr lang="en-US" altLang="ja-JP" dirty="0"/>
+                <a:t>lab03</a:t>
+              </a:r>
+              <a:r>
+                <a:rPr kumimoji="1" lang="en-US" altLang="ja-JP" dirty="0"/>
+                <a:t>_v.jpg</a:t>
+              </a:r>
+              <a:endParaRPr kumimoji="1" lang="ja-JP" altLang="en-US" dirty="0"/>
+            </a:p>
+          </p:txBody>
+        </p:sp>
+        <p:sp>
+          <p:nvSpPr>
+            <p:cNvPr id="22" name="正方形/長方形 21">
+              <a:extLst>
+                <a:ext uri="{FF2B5EF4-FFF2-40B4-BE49-F238E27FC236}">
+                  <a16:creationId xmlns:a16="http://schemas.microsoft.com/office/drawing/2014/main" id="{7FC6C941-3CFD-44B2-ABBF-75D9A612D4EA}"/>
+                </a:ext>
+              </a:extLst>
+            </p:cNvPr>
+            <p:cNvSpPr/>
+            <p:nvPr/>
+          </p:nvSpPr>
+          <p:spPr>
+            <a:xfrm>
+              <a:off x="4775767" y="4633658"/>
+              <a:ext cx="2137026" cy="482887"/>
+            </a:xfrm>
+            <a:prstGeom prst="rect">
+              <a:avLst/>
+            </a:prstGeom>
+            <a:grpFill/>
+            <a:ln>
+              <a:solidFill>
+                <a:schemeClr val="accent5">
+                  <a:lumMod val="75000"/>
+                </a:schemeClr>
+              </a:solidFill>
+            </a:ln>
+          </p:spPr>
+          <p:style>
+            <a:lnRef idx="2">
+              <a:schemeClr val="accent1">
+                <a:shade val="50000"/>
+              </a:schemeClr>
+            </a:lnRef>
+            <a:fillRef idx="1">
+              <a:schemeClr val="accent1"/>
+            </a:fillRef>
+            <a:effectRef idx="0">
+              <a:schemeClr val="accent1"/>
+            </a:effectRef>
+            <a:fontRef idx="minor">
+              <a:schemeClr val="lt1"/>
+            </a:fontRef>
+          </p:style>
+          <p:txBody>
+            <a:bodyPr rtlCol="0" anchor="ctr"/>
+            <a:lstStyle/>
+            <a:p>
+              <a:pPr algn="ctr"/>
+              <a:r>
+                <a:rPr lang="en-US" altLang="ja-JP" dirty="0"/>
+                <a:t>lab04</a:t>
+              </a:r>
+              <a:r>
+                <a:rPr kumimoji="1" lang="en-US" altLang="ja-JP" dirty="0"/>
+                <a:t>_h.jpg</a:t>
+              </a:r>
+              <a:endParaRPr kumimoji="1" lang="ja-JP" altLang="en-US" dirty="0"/>
+            </a:p>
+          </p:txBody>
+        </p:sp>
+        <p:sp>
+          <p:nvSpPr>
+            <p:cNvPr id="23" name="正方形/長方形 22">
+              <a:extLst>
+                <a:ext uri="{FF2B5EF4-FFF2-40B4-BE49-F238E27FC236}">
+                  <a16:creationId xmlns:a16="http://schemas.microsoft.com/office/drawing/2014/main" id="{903BF7D5-D74C-4EA8-BE8D-C6A2ADF882B9}"/>
+                </a:ext>
+              </a:extLst>
+            </p:cNvPr>
+            <p:cNvSpPr/>
+            <p:nvPr/>
+          </p:nvSpPr>
+          <p:spPr>
+            <a:xfrm>
+              <a:off x="4775767" y="5167916"/>
+              <a:ext cx="2137026" cy="482887"/>
+            </a:xfrm>
+            <a:prstGeom prst="rect">
+              <a:avLst/>
+            </a:prstGeom>
+            <a:grpFill/>
+            <a:ln>
+              <a:solidFill>
+                <a:schemeClr val="accent5">
+                  <a:lumMod val="75000"/>
+                </a:schemeClr>
+              </a:solidFill>
+            </a:ln>
+          </p:spPr>
+          <p:style>
+            <a:lnRef idx="2">
+              <a:schemeClr val="accent1">
+                <a:shade val="50000"/>
+              </a:schemeClr>
+            </a:lnRef>
+            <a:fillRef idx="1">
+              <a:schemeClr val="accent1"/>
+            </a:fillRef>
+            <a:effectRef idx="0">
+              <a:schemeClr val="accent1"/>
+            </a:effectRef>
+            <a:fontRef idx="minor">
+              <a:schemeClr val="lt1"/>
+            </a:fontRef>
+          </p:style>
+          <p:txBody>
+            <a:bodyPr rtlCol="0" anchor="ctr"/>
+            <a:lstStyle/>
+            <a:p>
+              <a:pPr algn="ctr"/>
+              <a:r>
+                <a:rPr lang="en-US" altLang="ja-JP" dirty="0"/>
+                <a:t>lab04</a:t>
+              </a:r>
+              <a:r>
+                <a:rPr kumimoji="1" lang="en-US" altLang="ja-JP" dirty="0"/>
+                <a:t>_v.jpg</a:t>
+              </a:r>
+              <a:endParaRPr kumimoji="1" lang="ja-JP" altLang="en-US" dirty="0"/>
+            </a:p>
+          </p:txBody>
+        </p:sp>
+        <p:sp>
+          <p:nvSpPr>
+            <p:cNvPr id="24" name="正方形/長方形 23">
+              <a:extLst>
+                <a:ext uri="{FF2B5EF4-FFF2-40B4-BE49-F238E27FC236}">
+                  <a16:creationId xmlns:a16="http://schemas.microsoft.com/office/drawing/2014/main" id="{82CDBDF5-427D-464B-88EE-7BE05BE7DAB9}"/>
+                </a:ext>
+              </a:extLst>
+            </p:cNvPr>
+            <p:cNvSpPr/>
+            <p:nvPr/>
+          </p:nvSpPr>
+          <p:spPr>
+            <a:xfrm>
+              <a:off x="4775767" y="5702174"/>
+              <a:ext cx="2137026" cy="482887"/>
+            </a:xfrm>
+            <a:prstGeom prst="rect">
+              <a:avLst/>
+            </a:prstGeom>
+            <a:grpFill/>
+            <a:ln>
+              <a:solidFill>
+                <a:schemeClr val="accent5">
+                  <a:lumMod val="75000"/>
+                </a:schemeClr>
+              </a:solidFill>
+            </a:ln>
+          </p:spPr>
+          <p:style>
+            <a:lnRef idx="2">
+              <a:schemeClr val="accent1">
+                <a:shade val="50000"/>
+              </a:schemeClr>
+            </a:lnRef>
+            <a:fillRef idx="1">
+              <a:schemeClr val="accent1"/>
+            </a:fillRef>
+            <a:effectRef idx="0">
+              <a:schemeClr val="accent1"/>
+            </a:effectRef>
+            <a:fontRef idx="minor">
+              <a:schemeClr val="lt1"/>
+            </a:fontRef>
+          </p:style>
+          <p:txBody>
+            <a:bodyPr rtlCol="0" anchor="ctr"/>
+            <a:lstStyle/>
+            <a:p>
+              <a:pPr algn="ctr"/>
+              <a:r>
+                <a:rPr kumimoji="1" lang="en-US" altLang="ja-JP" dirty="0"/>
+                <a:t>lab05_h.jpg</a:t>
+              </a:r>
+              <a:endParaRPr kumimoji="1" lang="ja-JP" altLang="en-US" dirty="0"/>
+            </a:p>
+          </p:txBody>
+        </p:sp>
+        <p:sp>
+          <p:nvSpPr>
+            <p:cNvPr id="25" name="正方形/長方形 24">
+              <a:extLst>
+                <a:ext uri="{FF2B5EF4-FFF2-40B4-BE49-F238E27FC236}">
+                  <a16:creationId xmlns:a16="http://schemas.microsoft.com/office/drawing/2014/main" id="{D940D6C1-29CA-4F0B-AE13-5B83637A30E0}"/>
+                </a:ext>
+              </a:extLst>
+            </p:cNvPr>
+            <p:cNvSpPr/>
+            <p:nvPr/>
+          </p:nvSpPr>
+          <p:spPr>
+            <a:xfrm>
+              <a:off x="4775767" y="6236432"/>
+              <a:ext cx="2137026" cy="482887"/>
+            </a:xfrm>
+            <a:prstGeom prst="rect">
+              <a:avLst/>
+            </a:prstGeom>
+            <a:grpFill/>
+            <a:ln>
+              <a:solidFill>
+                <a:schemeClr val="accent5">
+                  <a:lumMod val="75000"/>
+                </a:schemeClr>
+              </a:solidFill>
+            </a:ln>
+          </p:spPr>
+          <p:style>
+            <a:lnRef idx="2">
+              <a:schemeClr val="accent1">
+                <a:shade val="50000"/>
+              </a:schemeClr>
+            </a:lnRef>
+            <a:fillRef idx="1">
+              <a:schemeClr val="accent1"/>
+            </a:fillRef>
+            <a:effectRef idx="0">
+              <a:schemeClr val="accent1"/>
+            </a:effectRef>
+            <a:fontRef idx="minor">
+              <a:schemeClr val="lt1"/>
+            </a:fontRef>
+          </p:style>
+          <p:txBody>
+            <a:bodyPr rtlCol="0" anchor="ctr"/>
+            <a:lstStyle/>
+            <a:p>
+              <a:pPr algn="ctr"/>
+              <a:r>
+                <a:rPr lang="en-US" altLang="ja-JP" dirty="0"/>
+                <a:t>lab05</a:t>
+              </a:r>
+              <a:r>
+                <a:rPr kumimoji="1" lang="en-US" altLang="ja-JP" dirty="0"/>
+                <a:t>_v.jpg</a:t>
+              </a:r>
+              <a:endParaRPr kumimoji="1" lang="ja-JP" altLang="en-US" dirty="0"/>
+            </a:p>
+          </p:txBody>
+        </p:sp>
+      </p:grpSp>
+      <p:sp>
+        <p:nvSpPr>
+          <p:cNvPr id="36" name="正方形/長方形 35">
+            <a:extLst>
+              <a:ext uri="{FF2B5EF4-FFF2-40B4-BE49-F238E27FC236}">
+                <a16:creationId xmlns:a16="http://schemas.microsoft.com/office/drawing/2014/main" id="{E160CB88-2DED-46E1-A575-1134DE51A830}"/>
+              </a:ext>
+            </a:extLst>
+          </p:cNvPr>
+          <p:cNvSpPr/>
+          <p:nvPr/>
+        </p:nvSpPr>
+        <p:spPr>
+          <a:xfrm>
+            <a:off x="8796391" y="4166174"/>
+            <a:ext cx="2137026" cy="482887"/>
+          </a:xfrm>
+          <a:prstGeom prst="rect">
+            <a:avLst/>
+          </a:prstGeom>
+          <a:solidFill>
+            <a:srgbClr val="7030A0"/>
+          </a:solidFill>
+          <a:ln>
+            <a:solidFill>
+              <a:srgbClr val="002060"/>
+            </a:solidFill>
+          </a:ln>
+        </p:spPr>
+        <p:style>
+          <a:lnRef idx="2">
+            <a:schemeClr val="accent1">
+              <a:shade val="50000"/>
+            </a:schemeClr>
+          </a:lnRef>
+          <a:fillRef idx="1">
+            <a:schemeClr val="accent1"/>
+          </a:fillRef>
+          <a:effectRef idx="0">
+            <a:schemeClr val="accent1"/>
+          </a:effectRef>
+          <a:fontRef idx="minor">
+            <a:schemeClr val="lt1"/>
+          </a:fontRef>
+        </p:style>
+        <p:txBody>
+          <a:bodyPr rtlCol="0" anchor="ctr"/>
+          <a:lstStyle/>
+          <a:p>
+            <a:pPr algn="ctr"/>
+            <a:r>
+              <a:rPr lang="en-US" altLang="ja-JP" dirty="0"/>
+              <a:t>lab01.pdf</a:t>
+            </a:r>
+            <a:endParaRPr kumimoji="1" lang="ja-JP" altLang="en-US" dirty="0"/>
+          </a:p>
+        </p:txBody>
+      </p:sp>
+      <p:sp>
+        <p:nvSpPr>
+          <p:cNvPr id="37" name="正方形/長方形 36">
+            <a:extLst>
+              <a:ext uri="{FF2B5EF4-FFF2-40B4-BE49-F238E27FC236}">
+                <a16:creationId xmlns:a16="http://schemas.microsoft.com/office/drawing/2014/main" id="{5F420B72-83EC-4EA8-AB2D-9D47A43735E0}"/>
+              </a:ext>
+            </a:extLst>
+          </p:cNvPr>
+          <p:cNvSpPr/>
+          <p:nvPr/>
+        </p:nvSpPr>
+        <p:spPr>
+          <a:xfrm>
+            <a:off x="8796391" y="4700432"/>
+            <a:ext cx="2137026" cy="482887"/>
+          </a:xfrm>
+          <a:prstGeom prst="rect">
+            <a:avLst/>
+          </a:prstGeom>
+          <a:solidFill>
+            <a:srgbClr val="7030A0"/>
+          </a:solidFill>
+          <a:ln>
+            <a:solidFill>
+              <a:srgbClr val="002060"/>
+            </a:solidFill>
+          </a:ln>
+        </p:spPr>
+        <p:style>
+          <a:lnRef idx="2">
+            <a:schemeClr val="accent1">
+              <a:shade val="50000"/>
+            </a:schemeClr>
+          </a:lnRef>
+          <a:fillRef idx="1">
+            <a:schemeClr val="accent1"/>
+          </a:fillRef>
+          <a:effectRef idx="0">
+            <a:schemeClr val="accent1"/>
+          </a:effectRef>
+          <a:fontRef idx="minor">
+            <a:schemeClr val="lt1"/>
+          </a:fontRef>
+        </p:style>
+        <p:txBody>
+          <a:bodyPr rtlCol="0" anchor="ctr"/>
+          <a:lstStyle/>
+          <a:p>
+            <a:pPr algn="ctr"/>
+            <a:r>
+              <a:rPr lang="en-US" altLang="ja-JP" dirty="0"/>
+              <a:t>lab02.pdf</a:t>
+            </a:r>
+            <a:endParaRPr kumimoji="1" lang="ja-JP" altLang="en-US" dirty="0"/>
+          </a:p>
+        </p:txBody>
+      </p:sp>
+      <p:sp>
+        <p:nvSpPr>
+          <p:cNvPr id="38" name="正方形/長方形 37">
+            <a:extLst>
+              <a:ext uri="{FF2B5EF4-FFF2-40B4-BE49-F238E27FC236}">
+                <a16:creationId xmlns:a16="http://schemas.microsoft.com/office/drawing/2014/main" id="{EC528CD1-C7D9-46EE-ACC3-BEB8F0B72EA3}"/>
+              </a:ext>
+            </a:extLst>
+          </p:cNvPr>
+          <p:cNvSpPr/>
+          <p:nvPr/>
+        </p:nvSpPr>
+        <p:spPr>
+          <a:xfrm>
+            <a:off x="8796391" y="5234690"/>
+            <a:ext cx="2137026" cy="482887"/>
+          </a:xfrm>
+          <a:prstGeom prst="rect">
+            <a:avLst/>
+          </a:prstGeom>
+          <a:solidFill>
+            <a:srgbClr val="7030A0"/>
+          </a:solidFill>
+          <a:ln>
+            <a:solidFill>
+              <a:srgbClr val="002060"/>
+            </a:solidFill>
+          </a:ln>
+        </p:spPr>
+        <p:style>
+          <a:lnRef idx="2">
+            <a:schemeClr val="accent1">
+              <a:shade val="50000"/>
+            </a:schemeClr>
+          </a:lnRef>
+          <a:fillRef idx="1">
+            <a:schemeClr val="accent1"/>
+          </a:fillRef>
+          <a:effectRef idx="0">
+            <a:schemeClr val="accent1"/>
+          </a:effectRef>
+          <a:fontRef idx="minor">
+            <a:schemeClr val="lt1"/>
+          </a:fontRef>
+        </p:style>
+        <p:txBody>
+          <a:bodyPr rtlCol="0" anchor="ctr"/>
+          <a:lstStyle/>
+          <a:p>
+            <a:pPr algn="ctr"/>
+            <a:r>
+              <a:rPr lang="en-US" altLang="ja-JP" dirty="0"/>
+              <a:t>lab03.pdf</a:t>
+            </a:r>
+            <a:endParaRPr kumimoji="1" lang="ja-JP" altLang="en-US" dirty="0"/>
+          </a:p>
+        </p:txBody>
+      </p:sp>
+      <p:sp>
+        <p:nvSpPr>
+          <p:cNvPr id="39" name="正方形/長方形 38">
+            <a:extLst>
+              <a:ext uri="{FF2B5EF4-FFF2-40B4-BE49-F238E27FC236}">
+                <a16:creationId xmlns:a16="http://schemas.microsoft.com/office/drawing/2014/main" id="{796C1382-4405-4CE7-BB1D-EBF839CDA3E6}"/>
+              </a:ext>
+            </a:extLst>
+          </p:cNvPr>
+          <p:cNvSpPr/>
+          <p:nvPr/>
+        </p:nvSpPr>
+        <p:spPr>
+          <a:xfrm>
+            <a:off x="8796391" y="5768948"/>
+            <a:ext cx="2137026" cy="482887"/>
+          </a:xfrm>
+          <a:prstGeom prst="rect">
+            <a:avLst/>
+          </a:prstGeom>
+          <a:solidFill>
+            <a:srgbClr val="7030A0"/>
+          </a:solidFill>
+          <a:ln>
+            <a:solidFill>
+              <a:srgbClr val="002060"/>
+            </a:solidFill>
+          </a:ln>
+        </p:spPr>
+        <p:style>
+          <a:lnRef idx="2">
+            <a:schemeClr val="accent1">
+              <a:shade val="50000"/>
+            </a:schemeClr>
+          </a:lnRef>
+          <a:fillRef idx="1">
+            <a:schemeClr val="accent1"/>
+          </a:fillRef>
+          <a:effectRef idx="0">
+            <a:schemeClr val="accent1"/>
+          </a:effectRef>
+          <a:fontRef idx="minor">
+            <a:schemeClr val="lt1"/>
+          </a:fontRef>
+        </p:style>
+        <p:txBody>
+          <a:bodyPr rtlCol="0" anchor="ctr"/>
+          <a:lstStyle/>
+          <a:p>
+            <a:pPr algn="ctr"/>
+            <a:r>
+              <a:rPr lang="en-US" altLang="ja-JP" dirty="0"/>
+              <a:t>l</a:t>
+            </a:r>
+            <a:r>
+              <a:rPr kumimoji="1" lang="en-US" altLang="ja-JP" dirty="0"/>
+              <a:t>ab04.pdf</a:t>
+            </a:r>
+            <a:endParaRPr kumimoji="1" lang="ja-JP" altLang="en-US" dirty="0"/>
+          </a:p>
+        </p:txBody>
+      </p:sp>
+      <p:sp>
+        <p:nvSpPr>
+          <p:cNvPr id="40" name="正方形/長方形 39">
+            <a:extLst>
+              <a:ext uri="{FF2B5EF4-FFF2-40B4-BE49-F238E27FC236}">
+                <a16:creationId xmlns:a16="http://schemas.microsoft.com/office/drawing/2014/main" id="{74B6A5F0-6AE9-461D-AE60-2FC804A34C03}"/>
+              </a:ext>
+            </a:extLst>
+          </p:cNvPr>
+          <p:cNvSpPr/>
+          <p:nvPr/>
+        </p:nvSpPr>
+        <p:spPr>
+          <a:xfrm>
+            <a:off x="8796391" y="6303206"/>
+            <a:ext cx="2137026" cy="482887"/>
+          </a:xfrm>
+          <a:prstGeom prst="rect">
+            <a:avLst/>
+          </a:prstGeom>
+          <a:solidFill>
+            <a:srgbClr val="7030A0"/>
+          </a:solidFill>
+          <a:ln>
+            <a:solidFill>
+              <a:srgbClr val="002060"/>
+            </a:solidFill>
+          </a:ln>
+        </p:spPr>
+        <p:style>
+          <a:lnRef idx="2">
+            <a:schemeClr val="accent1">
+              <a:shade val="50000"/>
+            </a:schemeClr>
+          </a:lnRef>
+          <a:fillRef idx="1">
+            <a:schemeClr val="accent1"/>
+          </a:fillRef>
+          <a:effectRef idx="0">
+            <a:schemeClr val="accent1"/>
+          </a:effectRef>
+          <a:fontRef idx="minor">
+            <a:schemeClr val="lt1"/>
+          </a:fontRef>
+        </p:style>
+        <p:txBody>
+          <a:bodyPr rtlCol="0" anchor="ctr"/>
+          <a:lstStyle/>
+          <a:p>
+            <a:pPr algn="ctr"/>
+            <a:r>
+              <a:rPr lang="en-US" altLang="ja-JP" dirty="0"/>
+              <a:t>lab05.pdf</a:t>
+            </a:r>
+            <a:endParaRPr kumimoji="1" lang="ja-JP" altLang="en-US" dirty="0"/>
+          </a:p>
+        </p:txBody>
+      </p:sp>
+      <p:cxnSp>
+        <p:nvCxnSpPr>
+          <p:cNvPr id="42" name="コネクタ: カギ線 41">
+            <a:extLst>
+              <a:ext uri="{FF2B5EF4-FFF2-40B4-BE49-F238E27FC236}">
+                <a16:creationId xmlns:a16="http://schemas.microsoft.com/office/drawing/2014/main" id="{BFA4AB3F-97C4-4585-9570-BFB624AD0481}"/>
+              </a:ext>
+            </a:extLst>
+          </p:cNvPr>
+          <p:cNvCxnSpPr>
+            <a:stCxn id="12" idx="3"/>
+            <a:endCxn id="14" idx="1"/>
+          </p:cNvCxnSpPr>
+          <p:nvPr/>
+        </p:nvCxnSpPr>
+        <p:spPr>
+          <a:xfrm flipV="1">
+            <a:off x="3246633" y="272266"/>
+            <a:ext cx="1780854" cy="5494103"/>
+          </a:xfrm>
+          <a:prstGeom prst="bentConnector3">
+            <a:avLst/>
+          </a:prstGeom>
+        </p:spPr>
+        <p:style>
+          <a:lnRef idx="1">
+            <a:schemeClr val="dk1"/>
+          </a:lnRef>
+          <a:fillRef idx="0">
+            <a:schemeClr val="dk1"/>
+          </a:fillRef>
+          <a:effectRef idx="0">
+            <a:schemeClr val="dk1"/>
+          </a:effectRef>
+          <a:fontRef idx="minor">
+            <a:schemeClr val="tx1"/>
+          </a:fontRef>
+        </p:style>
+      </p:cxnSp>
+      <p:cxnSp>
+        <p:nvCxnSpPr>
+          <p:cNvPr id="47" name="コネクタ: カギ線 46">
+            <a:extLst>
+              <a:ext uri="{FF2B5EF4-FFF2-40B4-BE49-F238E27FC236}">
+                <a16:creationId xmlns:a16="http://schemas.microsoft.com/office/drawing/2014/main" id="{E17BB24E-0473-44DE-B55C-F336381CAE5D}"/>
+              </a:ext>
+            </a:extLst>
+          </p:cNvPr>
+          <p:cNvCxnSpPr>
+            <a:cxnSpLocks/>
+          </p:cNvCxnSpPr>
+          <p:nvPr/>
+        </p:nvCxnSpPr>
+        <p:spPr>
+          <a:xfrm flipV="1">
+            <a:off x="3246632" y="4458989"/>
+            <a:ext cx="5549759" cy="2065956"/>
+          </a:xfrm>
+          <a:prstGeom prst="bentConnector3">
+            <a:avLst>
+              <a:gd name="adj1" fmla="val 84804"/>
+            </a:avLst>
+          </a:prstGeom>
+        </p:spPr>
+        <p:style>
+          <a:lnRef idx="1">
+            <a:schemeClr val="dk1"/>
+          </a:lnRef>
+          <a:fillRef idx="0">
+            <a:schemeClr val="dk1"/>
+          </a:fillRef>
+          <a:effectRef idx="0">
+            <a:schemeClr val="dk1"/>
+          </a:effectRef>
+          <a:fontRef idx="minor">
+            <a:schemeClr val="tx1"/>
+          </a:fontRef>
+        </p:style>
+      </p:cxnSp>
+      <p:sp>
+        <p:nvSpPr>
+          <p:cNvPr id="51" name="テキスト ボックス 50">
+            <a:extLst>
+              <a:ext uri="{FF2B5EF4-FFF2-40B4-BE49-F238E27FC236}">
+                <a16:creationId xmlns:a16="http://schemas.microsoft.com/office/drawing/2014/main" id="{F48AD80A-6297-4025-922A-63CDD47DBFDF}"/>
+              </a:ext>
+            </a:extLst>
+          </p:cNvPr>
+          <p:cNvSpPr txBox="1"/>
+          <p:nvPr/>
+        </p:nvSpPr>
+        <p:spPr>
+          <a:xfrm>
+            <a:off x="7931649" y="138703"/>
+            <a:ext cx="4017196" cy="3970318"/>
+          </a:xfrm>
+          <a:prstGeom prst="rect">
+            <a:avLst/>
+          </a:prstGeom>
+          <a:noFill/>
+        </p:spPr>
+        <p:txBody>
+          <a:bodyPr wrap="square" rtlCol="0">
+            <a:spAutoFit/>
+          </a:bodyPr>
+          <a:lstStyle/>
+          <a:p>
+            <a:r>
+              <a:rPr lang="en-US" altLang="ja-JP" b="1" dirty="0">
+                <a:solidFill>
+                  <a:schemeClr val="accent1"/>
+                </a:solidFill>
+              </a:rPr>
+              <a:t>h</a:t>
+            </a:r>
+            <a:r>
+              <a:rPr kumimoji="1" lang="en-US" altLang="ja-JP" b="1" dirty="0">
+                <a:solidFill>
+                  <a:schemeClr val="accent1"/>
+                </a:solidFill>
+              </a:rPr>
+              <a:t>tml</a:t>
+            </a:r>
+            <a:r>
+              <a:rPr kumimoji="1" lang="ja-JP" altLang="en-US" b="1" dirty="0">
+                <a:solidFill>
+                  <a:schemeClr val="accent1"/>
+                </a:solidFill>
+              </a:rPr>
+              <a:t>は「研究室紹介とは」の</a:t>
+            </a:r>
+            <a:r>
+              <a:rPr kumimoji="1" lang="en-US" altLang="ja-JP" b="1" dirty="0">
+                <a:solidFill>
+                  <a:schemeClr val="accent1"/>
+                </a:solidFill>
+              </a:rPr>
+              <a:t>Index</a:t>
+            </a:r>
+            <a:r>
+              <a:rPr kumimoji="1" lang="ja-JP" altLang="en-US" b="1" dirty="0">
+                <a:solidFill>
+                  <a:schemeClr val="accent1"/>
+                </a:solidFill>
+              </a:rPr>
+              <a:t>と各研究室の</a:t>
+            </a:r>
+            <a:r>
+              <a:rPr kumimoji="1" lang="en-US" altLang="ja-JP" b="1" dirty="0">
+                <a:solidFill>
+                  <a:schemeClr val="accent1"/>
+                </a:solidFill>
+              </a:rPr>
+              <a:t>lab01~05</a:t>
+            </a:r>
+          </a:p>
+          <a:p>
+            <a:endParaRPr kumimoji="1" lang="en-US" altLang="ja-JP" b="1" dirty="0">
+              <a:solidFill>
+                <a:schemeClr val="accent1"/>
+              </a:solidFill>
+            </a:endParaRPr>
+          </a:p>
+          <a:p>
+            <a:r>
+              <a:rPr lang="en-US" altLang="ja-JP" b="1" dirty="0" err="1">
+                <a:solidFill>
+                  <a:schemeClr val="accent2"/>
+                </a:solidFill>
+              </a:rPr>
+              <a:t>css</a:t>
+            </a:r>
+            <a:r>
+              <a:rPr lang="ja-JP" altLang="en-US" b="1" dirty="0">
+                <a:solidFill>
+                  <a:schemeClr val="accent2"/>
+                </a:solidFill>
+              </a:rPr>
+              <a:t>は全ページ統一で</a:t>
+            </a:r>
+            <a:r>
+              <a:rPr lang="en-US" altLang="ja-JP" b="1" dirty="0">
+                <a:solidFill>
+                  <a:schemeClr val="accent2"/>
+                </a:solidFill>
+              </a:rPr>
+              <a:t>style</a:t>
+            </a:r>
+          </a:p>
+          <a:p>
+            <a:endParaRPr kumimoji="1" lang="en-US" altLang="ja-JP" b="1" dirty="0">
+              <a:solidFill>
+                <a:schemeClr val="accent5"/>
+              </a:solidFill>
+            </a:endParaRPr>
+          </a:p>
+          <a:p>
+            <a:r>
+              <a:rPr kumimoji="1" lang="ja-JP" altLang="en-US" b="1" dirty="0">
+                <a:solidFill>
+                  <a:schemeClr val="accent5"/>
+                </a:solidFill>
+              </a:rPr>
+              <a:t>写真は</a:t>
+            </a:r>
+            <a:r>
+              <a:rPr kumimoji="1" lang="en-US" altLang="ja-JP" b="1" dirty="0" err="1">
+                <a:solidFill>
+                  <a:schemeClr val="accent6"/>
+                </a:solidFill>
+              </a:rPr>
+              <a:t>yaganaviPhoto</a:t>
+            </a:r>
+            <a:r>
+              <a:rPr lang="ja-JP" altLang="en-US" b="1" dirty="0">
+                <a:solidFill>
+                  <a:schemeClr val="accent5"/>
+                </a:solidFill>
+              </a:rPr>
+              <a:t>に収納</a:t>
+            </a:r>
+            <a:endParaRPr lang="en-US" altLang="ja-JP" b="1" dirty="0">
+              <a:solidFill>
+                <a:schemeClr val="accent5"/>
+              </a:solidFill>
+            </a:endParaRPr>
+          </a:p>
+          <a:p>
+            <a:r>
+              <a:rPr kumimoji="1" lang="ja-JP" altLang="en-US" b="1" dirty="0">
+                <a:solidFill>
+                  <a:schemeClr val="accent5"/>
+                </a:solidFill>
+              </a:rPr>
+              <a:t>それぞれスマホ用と</a:t>
+            </a:r>
+            <a:r>
+              <a:rPr kumimoji="1" lang="en-US" altLang="ja-JP" b="1" dirty="0">
+                <a:solidFill>
+                  <a:schemeClr val="accent5"/>
+                </a:solidFill>
+              </a:rPr>
+              <a:t>PC</a:t>
+            </a:r>
+            <a:r>
+              <a:rPr kumimoji="1" lang="ja-JP" altLang="en-US" b="1" dirty="0">
+                <a:solidFill>
+                  <a:schemeClr val="accent5"/>
+                </a:solidFill>
+              </a:rPr>
+              <a:t>用で</a:t>
+            </a:r>
+            <a:r>
+              <a:rPr kumimoji="1" lang="en-US" altLang="ja-JP" b="1" dirty="0">
+                <a:solidFill>
+                  <a:schemeClr val="accent5"/>
+                </a:solidFill>
+              </a:rPr>
+              <a:t>2</a:t>
+            </a:r>
+            <a:r>
+              <a:rPr kumimoji="1" lang="ja-JP" altLang="en-US" b="1" dirty="0">
+                <a:solidFill>
+                  <a:schemeClr val="accent5"/>
+                </a:solidFill>
+              </a:rPr>
+              <a:t>つずつ</a:t>
+            </a:r>
+            <a:endParaRPr kumimoji="1" lang="en-US" altLang="ja-JP" b="1" dirty="0">
+              <a:solidFill>
+                <a:schemeClr val="accent5"/>
+              </a:solidFill>
+            </a:endParaRPr>
+          </a:p>
+          <a:p>
+            <a:r>
+              <a:rPr lang="en-US" altLang="ja-JP" b="1" dirty="0">
+                <a:solidFill>
+                  <a:schemeClr val="accent5"/>
+                </a:solidFill>
+              </a:rPr>
+              <a:t>h</a:t>
+            </a:r>
+            <a:r>
+              <a:rPr lang="ja-JP" altLang="en-US" b="1" dirty="0">
+                <a:solidFill>
+                  <a:schemeClr val="accent5"/>
+                </a:solidFill>
+              </a:rPr>
+              <a:t>は</a:t>
+            </a:r>
+            <a:r>
+              <a:rPr lang="en-US" altLang="ja-JP" b="1" dirty="0">
+                <a:solidFill>
+                  <a:schemeClr val="accent5"/>
+                </a:solidFill>
+              </a:rPr>
+              <a:t>horizontal(PC</a:t>
+            </a:r>
+            <a:r>
+              <a:rPr lang="ja-JP" altLang="en-US" b="1" dirty="0">
+                <a:solidFill>
+                  <a:schemeClr val="accent5"/>
+                </a:solidFill>
+              </a:rPr>
+              <a:t>用</a:t>
+            </a:r>
+            <a:r>
+              <a:rPr lang="en-US" altLang="ja-JP" b="1" dirty="0">
+                <a:solidFill>
+                  <a:schemeClr val="accent5"/>
+                </a:solidFill>
+              </a:rPr>
+              <a:t>)</a:t>
+            </a:r>
+          </a:p>
+          <a:p>
+            <a:r>
+              <a:rPr lang="en-US" altLang="ja-JP" b="1" dirty="0">
+                <a:solidFill>
+                  <a:schemeClr val="accent5"/>
+                </a:solidFill>
+              </a:rPr>
+              <a:t>v</a:t>
+            </a:r>
+            <a:r>
+              <a:rPr lang="ja-JP" altLang="en-US" b="1" dirty="0">
+                <a:solidFill>
+                  <a:schemeClr val="accent5"/>
+                </a:solidFill>
+              </a:rPr>
+              <a:t>は</a:t>
+            </a:r>
+            <a:r>
+              <a:rPr lang="en-US" altLang="ja-JP" b="1" dirty="0">
+                <a:solidFill>
+                  <a:schemeClr val="accent5"/>
+                </a:solidFill>
+              </a:rPr>
+              <a:t>vertical(</a:t>
+            </a:r>
+            <a:r>
+              <a:rPr lang="ja-JP" altLang="en-US" b="1" dirty="0">
+                <a:solidFill>
+                  <a:schemeClr val="accent5"/>
+                </a:solidFill>
+              </a:rPr>
+              <a:t>スマホ用</a:t>
+            </a:r>
+            <a:r>
+              <a:rPr lang="en-US" altLang="ja-JP" b="1" dirty="0">
+                <a:solidFill>
+                  <a:schemeClr val="accent5"/>
+                </a:solidFill>
+              </a:rPr>
+              <a:t>)</a:t>
+            </a:r>
+          </a:p>
+          <a:p>
+            <a:endParaRPr kumimoji="1" lang="en-US" altLang="ja-JP" b="1" dirty="0">
+              <a:solidFill>
+                <a:srgbClr val="7030A0"/>
+              </a:solidFill>
+            </a:endParaRPr>
+          </a:p>
+          <a:p>
+            <a:r>
+              <a:rPr kumimoji="1" lang="ja-JP" altLang="en-US" b="1" dirty="0">
+                <a:solidFill>
+                  <a:srgbClr val="7030A0"/>
+                </a:solidFill>
+              </a:rPr>
+              <a:t>研究室紹介のコンテンツは</a:t>
+            </a:r>
+            <a:r>
+              <a:rPr kumimoji="1" lang="en-US" altLang="ja-JP" b="1" dirty="0">
+                <a:solidFill>
+                  <a:srgbClr val="7030A0"/>
+                </a:solidFill>
+              </a:rPr>
+              <a:t>pdf</a:t>
+            </a:r>
+            <a:r>
+              <a:rPr kumimoji="1" lang="ja-JP" altLang="en-US" b="1" dirty="0">
+                <a:solidFill>
+                  <a:srgbClr val="7030A0"/>
+                </a:solidFill>
+              </a:rPr>
+              <a:t>にして</a:t>
+            </a:r>
+            <a:r>
+              <a:rPr kumimoji="1" lang="en-US" altLang="ja-JP" b="1" dirty="0" err="1">
+                <a:solidFill>
+                  <a:schemeClr val="accent6"/>
+                </a:solidFill>
+              </a:rPr>
+              <a:t>yaganaviContents</a:t>
+            </a:r>
+            <a:r>
+              <a:rPr kumimoji="1" lang="ja-JP" altLang="en-US" b="1" dirty="0">
+                <a:solidFill>
+                  <a:srgbClr val="7030A0"/>
+                </a:solidFill>
+              </a:rPr>
+              <a:t>に収納</a:t>
+            </a:r>
+            <a:endParaRPr kumimoji="1" lang="en-US" altLang="ja-JP" b="1" dirty="0">
+              <a:solidFill>
+                <a:srgbClr val="7030A0"/>
+              </a:solidFill>
+            </a:endParaRPr>
+          </a:p>
+          <a:p>
+            <a:r>
+              <a:rPr lang="ja-JP" altLang="en-US" b="1" dirty="0">
+                <a:solidFill>
+                  <a:srgbClr val="7030A0"/>
+                </a:solidFill>
+              </a:rPr>
+              <a:t>複数ある場合は</a:t>
+            </a:r>
+            <a:r>
+              <a:rPr lang="en-US" altLang="ja-JP" b="1" dirty="0">
+                <a:solidFill>
+                  <a:srgbClr val="7030A0"/>
+                </a:solidFill>
+              </a:rPr>
+              <a:t>lab011</a:t>
+            </a:r>
+            <a:r>
+              <a:rPr lang="ja-JP" altLang="en-US" b="1" dirty="0">
+                <a:solidFill>
+                  <a:srgbClr val="7030A0"/>
+                </a:solidFill>
+              </a:rPr>
+              <a:t>と</a:t>
+            </a:r>
+            <a:r>
+              <a:rPr lang="en-US" altLang="ja-JP" b="1" dirty="0">
+                <a:solidFill>
+                  <a:srgbClr val="7030A0"/>
+                </a:solidFill>
+              </a:rPr>
+              <a:t>lab012</a:t>
+            </a:r>
+            <a:r>
+              <a:rPr lang="ja-JP" altLang="en-US" b="1" dirty="0">
+                <a:solidFill>
+                  <a:srgbClr val="7030A0"/>
+                </a:solidFill>
+              </a:rPr>
+              <a:t>のように末尾に</a:t>
+            </a:r>
+            <a:r>
+              <a:rPr lang="en-US" altLang="ja-JP" b="1" dirty="0">
+                <a:solidFill>
+                  <a:srgbClr val="7030A0"/>
+                </a:solidFill>
+              </a:rPr>
+              <a:t>1</a:t>
+            </a:r>
+            <a:r>
+              <a:rPr lang="ja-JP" altLang="en-US" b="1" dirty="0">
+                <a:solidFill>
+                  <a:srgbClr val="7030A0"/>
+                </a:solidFill>
+              </a:rPr>
+              <a:t>から番号を振る</a:t>
+            </a:r>
+            <a:endParaRPr kumimoji="1" lang="ja-JP" altLang="en-US" b="1" dirty="0">
+              <a:solidFill>
+                <a:srgbClr val="7030A0"/>
+              </a:solidFill>
+            </a:endParaRPr>
+          </a:p>
+        </p:txBody>
+      </p:sp>
     </p:spTree>
     <p:extLst>
       <p:ext uri="{BB962C8B-B14F-4D97-AF65-F5344CB8AC3E}">

--- a/写真作成.pptx
+++ b/写真作成.pptx
@@ -3689,7 +3689,7 @@
         </p:nvGrpSpPr>
         <p:grpSpPr>
           <a:xfrm>
-            <a:off x="1109606" y="476886"/>
+            <a:off x="1109606" y="312502"/>
             <a:ext cx="2137029" cy="6335735"/>
             <a:chOff x="1705506" y="410966"/>
             <a:chExt cx="2137029" cy="6335735"/>
@@ -4251,10 +4251,10 @@
       </p:grpSp>
       <p:grpSp>
         <p:nvGrpSpPr>
-          <p:cNvPr id="27" name="グループ化 26">
-            <a:extLst>
-              <a:ext uri="{FF2B5EF4-FFF2-40B4-BE49-F238E27FC236}">
-                <a16:creationId xmlns:a16="http://schemas.microsoft.com/office/drawing/2014/main" id="{7AF176DB-D185-40B3-856D-B616621F3E2A}"/>
+          <p:cNvPr id="28" name="グループ化 27">
+            <a:extLst>
+              <a:ext uri="{FF2B5EF4-FFF2-40B4-BE49-F238E27FC236}">
+                <a16:creationId xmlns:a16="http://schemas.microsoft.com/office/drawing/2014/main" id="{893EE3F6-FF24-48EB-9DBE-F5E32223086A}"/>
               </a:ext>
             </a:extLst>
           </p:cNvPr>
@@ -4263,14 +4263,834 @@
         </p:nvGrpSpPr>
         <p:grpSpPr>
           <a:xfrm>
-            <a:off x="5027487" y="30822"/>
-            <a:ext cx="2137026" cy="6359725"/>
-            <a:chOff x="4775767" y="359594"/>
-            <a:chExt cx="2137026" cy="6359725"/>
+            <a:off x="8796391" y="4125078"/>
+            <a:ext cx="2137026" cy="2619919"/>
+            <a:chOff x="8796391" y="4166174"/>
+            <a:chExt cx="2137026" cy="2619919"/>
           </a:xfrm>
-          <a:solidFill>
-            <a:schemeClr val="accent5"/>
-          </a:solidFill>
+        </p:grpSpPr>
+        <p:sp>
+          <p:nvSpPr>
+            <p:cNvPr id="36" name="正方形/長方形 35">
+              <a:extLst>
+                <a:ext uri="{FF2B5EF4-FFF2-40B4-BE49-F238E27FC236}">
+                  <a16:creationId xmlns:a16="http://schemas.microsoft.com/office/drawing/2014/main" id="{E160CB88-2DED-46E1-A575-1134DE51A830}"/>
+                </a:ext>
+              </a:extLst>
+            </p:cNvPr>
+            <p:cNvSpPr/>
+            <p:nvPr/>
+          </p:nvSpPr>
+          <p:spPr>
+            <a:xfrm>
+              <a:off x="8796391" y="4166174"/>
+              <a:ext cx="2137026" cy="482887"/>
+            </a:xfrm>
+            <a:prstGeom prst="rect">
+              <a:avLst/>
+            </a:prstGeom>
+            <a:solidFill>
+              <a:srgbClr val="7030A0"/>
+            </a:solidFill>
+            <a:ln>
+              <a:solidFill>
+                <a:srgbClr val="002060"/>
+              </a:solidFill>
+            </a:ln>
+          </p:spPr>
+          <p:style>
+            <a:lnRef idx="2">
+              <a:schemeClr val="accent1">
+                <a:shade val="50000"/>
+              </a:schemeClr>
+            </a:lnRef>
+            <a:fillRef idx="1">
+              <a:schemeClr val="accent1"/>
+            </a:fillRef>
+            <a:effectRef idx="0">
+              <a:schemeClr val="accent1"/>
+            </a:effectRef>
+            <a:fontRef idx="minor">
+              <a:schemeClr val="lt1"/>
+            </a:fontRef>
+          </p:style>
+          <p:txBody>
+            <a:bodyPr rtlCol="0" anchor="ctr"/>
+            <a:lstStyle/>
+            <a:p>
+              <a:pPr algn="ctr"/>
+              <a:r>
+                <a:rPr lang="en-US" altLang="ja-JP" dirty="0"/>
+                <a:t>lab01.pdf</a:t>
+              </a:r>
+              <a:endParaRPr kumimoji="1" lang="ja-JP" altLang="en-US" dirty="0"/>
+            </a:p>
+          </p:txBody>
+        </p:sp>
+        <p:sp>
+          <p:nvSpPr>
+            <p:cNvPr id="37" name="正方形/長方形 36">
+              <a:extLst>
+                <a:ext uri="{FF2B5EF4-FFF2-40B4-BE49-F238E27FC236}">
+                  <a16:creationId xmlns:a16="http://schemas.microsoft.com/office/drawing/2014/main" id="{5F420B72-83EC-4EA8-AB2D-9D47A43735E0}"/>
+                </a:ext>
+              </a:extLst>
+            </p:cNvPr>
+            <p:cNvSpPr/>
+            <p:nvPr/>
+          </p:nvSpPr>
+          <p:spPr>
+            <a:xfrm>
+              <a:off x="8796391" y="4700432"/>
+              <a:ext cx="2137026" cy="482887"/>
+            </a:xfrm>
+            <a:prstGeom prst="rect">
+              <a:avLst/>
+            </a:prstGeom>
+            <a:solidFill>
+              <a:srgbClr val="7030A0"/>
+            </a:solidFill>
+            <a:ln>
+              <a:solidFill>
+                <a:srgbClr val="002060"/>
+              </a:solidFill>
+            </a:ln>
+          </p:spPr>
+          <p:style>
+            <a:lnRef idx="2">
+              <a:schemeClr val="accent1">
+                <a:shade val="50000"/>
+              </a:schemeClr>
+            </a:lnRef>
+            <a:fillRef idx="1">
+              <a:schemeClr val="accent1"/>
+            </a:fillRef>
+            <a:effectRef idx="0">
+              <a:schemeClr val="accent1"/>
+            </a:effectRef>
+            <a:fontRef idx="minor">
+              <a:schemeClr val="lt1"/>
+            </a:fontRef>
+          </p:style>
+          <p:txBody>
+            <a:bodyPr rtlCol="0" anchor="ctr"/>
+            <a:lstStyle/>
+            <a:p>
+              <a:pPr algn="ctr"/>
+              <a:r>
+                <a:rPr lang="en-US" altLang="ja-JP" dirty="0"/>
+                <a:t>lab02.pdf</a:t>
+              </a:r>
+              <a:endParaRPr kumimoji="1" lang="ja-JP" altLang="en-US" dirty="0"/>
+            </a:p>
+          </p:txBody>
+        </p:sp>
+        <p:sp>
+          <p:nvSpPr>
+            <p:cNvPr id="38" name="正方形/長方形 37">
+              <a:extLst>
+                <a:ext uri="{FF2B5EF4-FFF2-40B4-BE49-F238E27FC236}">
+                  <a16:creationId xmlns:a16="http://schemas.microsoft.com/office/drawing/2014/main" id="{EC528CD1-C7D9-46EE-ACC3-BEB8F0B72EA3}"/>
+                </a:ext>
+              </a:extLst>
+            </p:cNvPr>
+            <p:cNvSpPr/>
+            <p:nvPr/>
+          </p:nvSpPr>
+          <p:spPr>
+            <a:xfrm>
+              <a:off x="8796391" y="5234690"/>
+              <a:ext cx="2137026" cy="482887"/>
+            </a:xfrm>
+            <a:prstGeom prst="rect">
+              <a:avLst/>
+            </a:prstGeom>
+            <a:solidFill>
+              <a:srgbClr val="7030A0"/>
+            </a:solidFill>
+            <a:ln>
+              <a:solidFill>
+                <a:srgbClr val="002060"/>
+              </a:solidFill>
+            </a:ln>
+          </p:spPr>
+          <p:style>
+            <a:lnRef idx="2">
+              <a:schemeClr val="accent1">
+                <a:shade val="50000"/>
+              </a:schemeClr>
+            </a:lnRef>
+            <a:fillRef idx="1">
+              <a:schemeClr val="accent1"/>
+            </a:fillRef>
+            <a:effectRef idx="0">
+              <a:schemeClr val="accent1"/>
+            </a:effectRef>
+            <a:fontRef idx="minor">
+              <a:schemeClr val="lt1"/>
+            </a:fontRef>
+          </p:style>
+          <p:txBody>
+            <a:bodyPr rtlCol="0" anchor="ctr"/>
+            <a:lstStyle/>
+            <a:p>
+              <a:pPr algn="ctr"/>
+              <a:r>
+                <a:rPr lang="en-US" altLang="ja-JP" dirty="0"/>
+                <a:t>lab03.pdf</a:t>
+              </a:r>
+              <a:endParaRPr kumimoji="1" lang="ja-JP" altLang="en-US" dirty="0"/>
+            </a:p>
+          </p:txBody>
+        </p:sp>
+        <p:sp>
+          <p:nvSpPr>
+            <p:cNvPr id="39" name="正方形/長方形 38">
+              <a:extLst>
+                <a:ext uri="{FF2B5EF4-FFF2-40B4-BE49-F238E27FC236}">
+                  <a16:creationId xmlns:a16="http://schemas.microsoft.com/office/drawing/2014/main" id="{796C1382-4405-4CE7-BB1D-EBF839CDA3E6}"/>
+                </a:ext>
+              </a:extLst>
+            </p:cNvPr>
+            <p:cNvSpPr/>
+            <p:nvPr/>
+          </p:nvSpPr>
+          <p:spPr>
+            <a:xfrm>
+              <a:off x="8796391" y="5768948"/>
+              <a:ext cx="2137026" cy="482887"/>
+            </a:xfrm>
+            <a:prstGeom prst="rect">
+              <a:avLst/>
+            </a:prstGeom>
+            <a:solidFill>
+              <a:srgbClr val="7030A0"/>
+            </a:solidFill>
+            <a:ln>
+              <a:solidFill>
+                <a:srgbClr val="002060"/>
+              </a:solidFill>
+            </a:ln>
+          </p:spPr>
+          <p:style>
+            <a:lnRef idx="2">
+              <a:schemeClr val="accent1">
+                <a:shade val="50000"/>
+              </a:schemeClr>
+            </a:lnRef>
+            <a:fillRef idx="1">
+              <a:schemeClr val="accent1"/>
+            </a:fillRef>
+            <a:effectRef idx="0">
+              <a:schemeClr val="accent1"/>
+            </a:effectRef>
+            <a:fontRef idx="minor">
+              <a:schemeClr val="lt1"/>
+            </a:fontRef>
+          </p:style>
+          <p:txBody>
+            <a:bodyPr rtlCol="0" anchor="ctr"/>
+            <a:lstStyle/>
+            <a:p>
+              <a:pPr algn="ctr"/>
+              <a:r>
+                <a:rPr lang="en-US" altLang="ja-JP" dirty="0"/>
+                <a:t>l</a:t>
+              </a:r>
+              <a:r>
+                <a:rPr kumimoji="1" lang="en-US" altLang="ja-JP" dirty="0"/>
+                <a:t>ab04.pdf</a:t>
+              </a:r>
+              <a:endParaRPr kumimoji="1" lang="ja-JP" altLang="en-US" dirty="0"/>
+            </a:p>
+          </p:txBody>
+        </p:sp>
+        <p:sp>
+          <p:nvSpPr>
+            <p:cNvPr id="40" name="正方形/長方形 39">
+              <a:extLst>
+                <a:ext uri="{FF2B5EF4-FFF2-40B4-BE49-F238E27FC236}">
+                  <a16:creationId xmlns:a16="http://schemas.microsoft.com/office/drawing/2014/main" id="{74B6A5F0-6AE9-461D-AE60-2FC804A34C03}"/>
+                </a:ext>
+              </a:extLst>
+            </p:cNvPr>
+            <p:cNvSpPr/>
+            <p:nvPr/>
+          </p:nvSpPr>
+          <p:spPr>
+            <a:xfrm>
+              <a:off x="8796391" y="6303206"/>
+              <a:ext cx="2137026" cy="482887"/>
+            </a:xfrm>
+            <a:prstGeom prst="rect">
+              <a:avLst/>
+            </a:prstGeom>
+            <a:solidFill>
+              <a:srgbClr val="7030A0"/>
+            </a:solidFill>
+            <a:ln>
+              <a:solidFill>
+                <a:srgbClr val="002060"/>
+              </a:solidFill>
+            </a:ln>
+          </p:spPr>
+          <p:style>
+            <a:lnRef idx="2">
+              <a:schemeClr val="accent1">
+                <a:shade val="50000"/>
+              </a:schemeClr>
+            </a:lnRef>
+            <a:fillRef idx="1">
+              <a:schemeClr val="accent1"/>
+            </a:fillRef>
+            <a:effectRef idx="0">
+              <a:schemeClr val="accent1"/>
+            </a:effectRef>
+            <a:fontRef idx="minor">
+              <a:schemeClr val="lt1"/>
+            </a:fontRef>
+          </p:style>
+          <p:txBody>
+            <a:bodyPr rtlCol="0" anchor="ctr"/>
+            <a:lstStyle/>
+            <a:p>
+              <a:pPr algn="ctr"/>
+              <a:r>
+                <a:rPr lang="en-US" altLang="ja-JP" dirty="0"/>
+                <a:t>lab05.pdf</a:t>
+              </a:r>
+              <a:endParaRPr kumimoji="1" lang="ja-JP" altLang="en-US" dirty="0"/>
+            </a:p>
+          </p:txBody>
+        </p:sp>
+      </p:grpSp>
+      <p:cxnSp>
+        <p:nvCxnSpPr>
+          <p:cNvPr id="42" name="コネクタ: カギ線 41">
+            <a:extLst>
+              <a:ext uri="{FF2B5EF4-FFF2-40B4-BE49-F238E27FC236}">
+                <a16:creationId xmlns:a16="http://schemas.microsoft.com/office/drawing/2014/main" id="{BFA4AB3F-97C4-4585-9570-BFB624AD0481}"/>
+              </a:ext>
+            </a:extLst>
+          </p:cNvPr>
+          <p:cNvCxnSpPr>
+            <a:stCxn id="12" idx="3"/>
+            <a:endCxn id="14" idx="1"/>
+          </p:cNvCxnSpPr>
+          <p:nvPr/>
+        </p:nvCxnSpPr>
+        <p:spPr>
+          <a:xfrm flipV="1">
+            <a:off x="3246633" y="466059"/>
+            <a:ext cx="1780854" cy="5135926"/>
+          </a:xfrm>
+          <a:prstGeom prst="bentConnector3">
+            <a:avLst/>
+          </a:prstGeom>
+        </p:spPr>
+        <p:style>
+          <a:lnRef idx="1">
+            <a:schemeClr val="dk1"/>
+          </a:lnRef>
+          <a:fillRef idx="0">
+            <a:schemeClr val="dk1"/>
+          </a:fillRef>
+          <a:effectRef idx="0">
+            <a:schemeClr val="dk1"/>
+          </a:effectRef>
+          <a:fontRef idx="minor">
+            <a:schemeClr val="tx1"/>
+          </a:fontRef>
+        </p:style>
+      </p:cxnSp>
+      <p:cxnSp>
+        <p:nvCxnSpPr>
+          <p:cNvPr id="47" name="コネクタ: カギ線 46">
+            <a:extLst>
+              <a:ext uri="{FF2B5EF4-FFF2-40B4-BE49-F238E27FC236}">
+                <a16:creationId xmlns:a16="http://schemas.microsoft.com/office/drawing/2014/main" id="{E17BB24E-0473-44DE-B55C-F336381CAE5D}"/>
+              </a:ext>
+            </a:extLst>
+          </p:cNvPr>
+          <p:cNvCxnSpPr>
+            <a:cxnSpLocks/>
+            <a:endCxn id="36" idx="1"/>
+          </p:cNvCxnSpPr>
+          <p:nvPr/>
+        </p:nvCxnSpPr>
+        <p:spPr>
+          <a:xfrm flipV="1">
+            <a:off x="3246632" y="4366522"/>
+            <a:ext cx="5549759" cy="1932394"/>
+          </a:xfrm>
+          <a:prstGeom prst="bentConnector3">
+            <a:avLst>
+              <a:gd name="adj1" fmla="val 78325"/>
+            </a:avLst>
+          </a:prstGeom>
+        </p:spPr>
+        <p:style>
+          <a:lnRef idx="1">
+            <a:schemeClr val="dk1"/>
+          </a:lnRef>
+          <a:fillRef idx="0">
+            <a:schemeClr val="dk1"/>
+          </a:fillRef>
+          <a:effectRef idx="0">
+            <a:schemeClr val="dk1"/>
+          </a:effectRef>
+          <a:fontRef idx="minor">
+            <a:schemeClr val="tx1"/>
+          </a:fontRef>
+        </p:style>
+      </p:cxnSp>
+      <p:sp>
+        <p:nvSpPr>
+          <p:cNvPr id="51" name="テキスト ボックス 50">
+            <a:extLst>
+              <a:ext uri="{FF2B5EF4-FFF2-40B4-BE49-F238E27FC236}">
+                <a16:creationId xmlns:a16="http://schemas.microsoft.com/office/drawing/2014/main" id="{F48AD80A-6297-4025-922A-63CDD47DBFDF}"/>
+              </a:ext>
+            </a:extLst>
+          </p:cNvPr>
+          <p:cNvSpPr txBox="1"/>
+          <p:nvPr/>
+        </p:nvSpPr>
+        <p:spPr>
+          <a:xfrm>
+            <a:off x="7582328" y="138703"/>
+            <a:ext cx="4407613" cy="3970318"/>
+          </a:xfrm>
+          <a:prstGeom prst="rect">
+            <a:avLst/>
+          </a:prstGeom>
+          <a:noFill/>
+        </p:spPr>
+        <p:txBody>
+          <a:bodyPr wrap="square" rtlCol="0">
+            <a:spAutoFit/>
+          </a:bodyPr>
+          <a:lstStyle/>
+          <a:p>
+            <a:r>
+              <a:rPr lang="en-US" altLang="ja-JP" b="1" dirty="0">
+                <a:solidFill>
+                  <a:schemeClr val="accent1"/>
+                </a:solidFill>
+              </a:rPr>
+              <a:t>h</a:t>
+            </a:r>
+            <a:r>
+              <a:rPr kumimoji="1" lang="en-US" altLang="ja-JP" b="1" dirty="0">
+                <a:solidFill>
+                  <a:schemeClr val="accent1"/>
+                </a:solidFill>
+              </a:rPr>
+              <a:t>tml</a:t>
+            </a:r>
+            <a:r>
+              <a:rPr kumimoji="1" lang="ja-JP" altLang="en-US" b="1" dirty="0">
+                <a:solidFill>
+                  <a:schemeClr val="accent1"/>
+                </a:solidFill>
+              </a:rPr>
+              <a:t>は「研究室紹介とは」の</a:t>
+            </a:r>
+            <a:r>
+              <a:rPr kumimoji="1" lang="en-US" altLang="ja-JP" b="1" dirty="0">
+                <a:solidFill>
+                  <a:schemeClr val="accent1"/>
+                </a:solidFill>
+              </a:rPr>
+              <a:t>Index</a:t>
+            </a:r>
+            <a:r>
+              <a:rPr kumimoji="1" lang="ja-JP" altLang="en-US" b="1" dirty="0">
+                <a:solidFill>
+                  <a:schemeClr val="accent1"/>
+                </a:solidFill>
+              </a:rPr>
+              <a:t>と</a:t>
+            </a:r>
+            <a:endParaRPr kumimoji="1" lang="en-US" altLang="ja-JP" b="1" dirty="0">
+              <a:solidFill>
+                <a:schemeClr val="accent1"/>
+              </a:solidFill>
+            </a:endParaRPr>
+          </a:p>
+          <a:p>
+            <a:r>
+              <a:rPr kumimoji="1" lang="ja-JP" altLang="en-US" b="1" dirty="0">
+                <a:solidFill>
+                  <a:schemeClr val="accent1"/>
+                </a:solidFill>
+              </a:rPr>
+              <a:t>各研究室の</a:t>
+            </a:r>
+            <a:r>
+              <a:rPr kumimoji="1" lang="en-US" altLang="ja-JP" b="1" dirty="0">
+                <a:solidFill>
+                  <a:schemeClr val="accent1"/>
+                </a:solidFill>
+              </a:rPr>
+              <a:t>lab01~05</a:t>
+            </a:r>
+          </a:p>
+          <a:p>
+            <a:endParaRPr kumimoji="1" lang="en-US" altLang="ja-JP" b="1" dirty="0">
+              <a:solidFill>
+                <a:schemeClr val="accent1"/>
+              </a:solidFill>
+            </a:endParaRPr>
+          </a:p>
+          <a:p>
+            <a:r>
+              <a:rPr lang="en-US" altLang="ja-JP" b="1" dirty="0" err="1">
+                <a:solidFill>
+                  <a:schemeClr val="accent2"/>
+                </a:solidFill>
+              </a:rPr>
+              <a:t>css</a:t>
+            </a:r>
+            <a:r>
+              <a:rPr lang="ja-JP" altLang="en-US" b="1" dirty="0">
+                <a:solidFill>
+                  <a:schemeClr val="accent2"/>
+                </a:solidFill>
+              </a:rPr>
+              <a:t>は全ページ統一で</a:t>
+            </a:r>
+            <a:r>
+              <a:rPr lang="en-US" altLang="ja-JP" b="1" dirty="0">
+                <a:solidFill>
+                  <a:schemeClr val="accent2"/>
+                </a:solidFill>
+              </a:rPr>
+              <a:t>style</a:t>
+            </a:r>
+          </a:p>
+          <a:p>
+            <a:endParaRPr kumimoji="1" lang="en-US" altLang="ja-JP" b="1" dirty="0">
+              <a:solidFill>
+                <a:schemeClr val="accent5"/>
+              </a:solidFill>
+            </a:endParaRPr>
+          </a:p>
+          <a:p>
+            <a:r>
+              <a:rPr kumimoji="1" lang="ja-JP" altLang="en-US" b="1" dirty="0">
+                <a:solidFill>
+                  <a:schemeClr val="accent5"/>
+                </a:solidFill>
+              </a:rPr>
+              <a:t>写真は</a:t>
+            </a:r>
+            <a:r>
+              <a:rPr kumimoji="1" lang="en-US" altLang="ja-JP" b="1" dirty="0" err="1">
+                <a:solidFill>
+                  <a:schemeClr val="accent6"/>
+                </a:solidFill>
+              </a:rPr>
+              <a:t>yaganaviPhoto</a:t>
+            </a:r>
+            <a:r>
+              <a:rPr lang="ja-JP" altLang="en-US" b="1" dirty="0">
+                <a:solidFill>
+                  <a:schemeClr val="accent5"/>
+                </a:solidFill>
+              </a:rPr>
+              <a:t>に収納</a:t>
+            </a:r>
+            <a:endParaRPr lang="en-US" altLang="ja-JP" b="1" dirty="0">
+              <a:solidFill>
+                <a:schemeClr val="accent5"/>
+              </a:solidFill>
+            </a:endParaRPr>
+          </a:p>
+          <a:p>
+            <a:r>
+              <a:rPr kumimoji="1" lang="ja-JP" altLang="en-US" b="1" dirty="0">
+                <a:solidFill>
+                  <a:schemeClr val="accent5"/>
+                </a:solidFill>
+              </a:rPr>
+              <a:t>それぞれスマホ用と</a:t>
+            </a:r>
+            <a:r>
+              <a:rPr kumimoji="1" lang="en-US" altLang="ja-JP" b="1" dirty="0">
+                <a:solidFill>
+                  <a:schemeClr val="accent5"/>
+                </a:solidFill>
+              </a:rPr>
+              <a:t>PC</a:t>
+            </a:r>
+            <a:r>
+              <a:rPr kumimoji="1" lang="ja-JP" altLang="en-US" b="1" dirty="0">
+                <a:solidFill>
+                  <a:schemeClr val="accent5"/>
+                </a:solidFill>
+              </a:rPr>
+              <a:t>用で</a:t>
+            </a:r>
+            <a:r>
+              <a:rPr kumimoji="1" lang="en-US" altLang="ja-JP" b="1" dirty="0">
+                <a:solidFill>
+                  <a:schemeClr val="accent5"/>
+                </a:solidFill>
+              </a:rPr>
+              <a:t>2</a:t>
+            </a:r>
+            <a:r>
+              <a:rPr kumimoji="1" lang="ja-JP" altLang="en-US" b="1" dirty="0">
+                <a:solidFill>
+                  <a:schemeClr val="accent5"/>
+                </a:solidFill>
+              </a:rPr>
+              <a:t>つずつ</a:t>
+            </a:r>
+            <a:endParaRPr kumimoji="1" lang="en-US" altLang="ja-JP" b="1" dirty="0">
+              <a:solidFill>
+                <a:schemeClr val="accent5"/>
+              </a:solidFill>
+            </a:endParaRPr>
+          </a:p>
+          <a:p>
+            <a:r>
+              <a:rPr lang="en-US" altLang="ja-JP" b="1" dirty="0">
+                <a:solidFill>
+                  <a:schemeClr val="accent5"/>
+                </a:solidFill>
+              </a:rPr>
+              <a:t>h</a:t>
+            </a:r>
+            <a:r>
+              <a:rPr lang="ja-JP" altLang="en-US" b="1" dirty="0">
+                <a:solidFill>
+                  <a:schemeClr val="accent5"/>
+                </a:solidFill>
+              </a:rPr>
+              <a:t>は</a:t>
+            </a:r>
+            <a:r>
+              <a:rPr lang="en-US" altLang="ja-JP" b="1" dirty="0">
+                <a:solidFill>
+                  <a:schemeClr val="accent5"/>
+                </a:solidFill>
+              </a:rPr>
+              <a:t>horizontal(PC</a:t>
+            </a:r>
+            <a:r>
+              <a:rPr lang="ja-JP" altLang="en-US" b="1" dirty="0">
+                <a:solidFill>
+                  <a:schemeClr val="accent5"/>
+                </a:solidFill>
+              </a:rPr>
+              <a:t>用</a:t>
+            </a:r>
+            <a:r>
+              <a:rPr lang="en-US" altLang="ja-JP" b="1" dirty="0">
+                <a:solidFill>
+                  <a:schemeClr val="accent5"/>
+                </a:solidFill>
+              </a:rPr>
+              <a:t>)</a:t>
+            </a:r>
+          </a:p>
+          <a:p>
+            <a:r>
+              <a:rPr lang="en-US" altLang="ja-JP" b="1" dirty="0">
+                <a:solidFill>
+                  <a:schemeClr val="accent5"/>
+                </a:solidFill>
+              </a:rPr>
+              <a:t>v</a:t>
+            </a:r>
+            <a:r>
+              <a:rPr lang="ja-JP" altLang="en-US" b="1" dirty="0">
+                <a:solidFill>
+                  <a:schemeClr val="accent5"/>
+                </a:solidFill>
+              </a:rPr>
+              <a:t>は</a:t>
+            </a:r>
+            <a:r>
+              <a:rPr lang="en-US" altLang="ja-JP" b="1" dirty="0">
+                <a:solidFill>
+                  <a:schemeClr val="accent5"/>
+                </a:solidFill>
+              </a:rPr>
+              <a:t>vertical(</a:t>
+            </a:r>
+            <a:r>
+              <a:rPr lang="ja-JP" altLang="en-US" b="1" dirty="0">
+                <a:solidFill>
+                  <a:schemeClr val="accent5"/>
+                </a:solidFill>
+              </a:rPr>
+              <a:t>スマホ用</a:t>
+            </a:r>
+            <a:r>
+              <a:rPr lang="en-US" altLang="ja-JP" b="1" dirty="0">
+                <a:solidFill>
+                  <a:schemeClr val="accent5"/>
+                </a:solidFill>
+              </a:rPr>
+              <a:t>)</a:t>
+            </a:r>
+          </a:p>
+          <a:p>
+            <a:endParaRPr kumimoji="1" lang="en-US" altLang="ja-JP" b="1" dirty="0">
+              <a:solidFill>
+                <a:srgbClr val="7030A0"/>
+              </a:solidFill>
+            </a:endParaRPr>
+          </a:p>
+          <a:p>
+            <a:r>
+              <a:rPr kumimoji="1" lang="ja-JP" altLang="en-US" b="1" dirty="0">
+                <a:solidFill>
+                  <a:srgbClr val="7030A0"/>
+                </a:solidFill>
+              </a:rPr>
+              <a:t>研究室紹介のコンテンツは</a:t>
+            </a:r>
+            <a:r>
+              <a:rPr kumimoji="1" lang="en-US" altLang="ja-JP" b="1" dirty="0">
+                <a:solidFill>
+                  <a:srgbClr val="7030A0"/>
+                </a:solidFill>
+              </a:rPr>
+              <a:t>pdf</a:t>
+            </a:r>
+            <a:r>
+              <a:rPr kumimoji="1" lang="ja-JP" altLang="en-US" b="1" dirty="0">
+                <a:solidFill>
+                  <a:srgbClr val="7030A0"/>
+                </a:solidFill>
+              </a:rPr>
+              <a:t>にして</a:t>
+            </a:r>
+            <a:r>
+              <a:rPr kumimoji="1" lang="en-US" altLang="ja-JP" b="1" dirty="0" err="1">
+                <a:solidFill>
+                  <a:schemeClr val="accent6"/>
+                </a:solidFill>
+              </a:rPr>
+              <a:t>yaganaviContents</a:t>
+            </a:r>
+            <a:r>
+              <a:rPr kumimoji="1" lang="ja-JP" altLang="en-US" b="1" dirty="0">
+                <a:solidFill>
+                  <a:srgbClr val="7030A0"/>
+                </a:solidFill>
+              </a:rPr>
+              <a:t>に収納</a:t>
+            </a:r>
+            <a:endParaRPr kumimoji="1" lang="en-US" altLang="ja-JP" b="1" dirty="0">
+              <a:solidFill>
+                <a:srgbClr val="7030A0"/>
+              </a:solidFill>
+            </a:endParaRPr>
+          </a:p>
+          <a:p>
+            <a:r>
+              <a:rPr lang="ja-JP" altLang="en-US" b="1" dirty="0">
+                <a:solidFill>
+                  <a:srgbClr val="7030A0"/>
+                </a:solidFill>
+              </a:rPr>
+              <a:t>複数ある場合は</a:t>
+            </a:r>
+            <a:r>
+              <a:rPr lang="en-US" altLang="ja-JP" b="1" dirty="0">
+                <a:solidFill>
+                  <a:srgbClr val="7030A0"/>
+                </a:solidFill>
+              </a:rPr>
+              <a:t>lab011</a:t>
+            </a:r>
+            <a:r>
+              <a:rPr lang="ja-JP" altLang="en-US" b="1" dirty="0">
+                <a:solidFill>
+                  <a:srgbClr val="7030A0"/>
+                </a:solidFill>
+              </a:rPr>
+              <a:t>と</a:t>
+            </a:r>
+            <a:r>
+              <a:rPr lang="en-US" altLang="ja-JP" b="1" dirty="0">
+                <a:solidFill>
+                  <a:srgbClr val="7030A0"/>
+                </a:solidFill>
+              </a:rPr>
+              <a:t>lab012</a:t>
+            </a:r>
+            <a:r>
+              <a:rPr lang="ja-JP" altLang="en-US" b="1" dirty="0">
+                <a:solidFill>
+                  <a:srgbClr val="7030A0"/>
+                </a:solidFill>
+              </a:rPr>
+              <a:t>のように</a:t>
+            </a:r>
+            <a:endParaRPr lang="en-US" altLang="ja-JP" b="1" dirty="0">
+              <a:solidFill>
+                <a:srgbClr val="7030A0"/>
+              </a:solidFill>
+            </a:endParaRPr>
+          </a:p>
+          <a:p>
+            <a:r>
+              <a:rPr lang="ja-JP" altLang="en-US" b="1" dirty="0">
+                <a:solidFill>
+                  <a:srgbClr val="7030A0"/>
+                </a:solidFill>
+              </a:rPr>
+              <a:t>末尾に</a:t>
+            </a:r>
+            <a:r>
+              <a:rPr lang="en-US" altLang="ja-JP" b="1" dirty="0">
+                <a:solidFill>
+                  <a:srgbClr val="7030A0"/>
+                </a:solidFill>
+              </a:rPr>
+              <a:t>1</a:t>
+            </a:r>
+            <a:r>
+              <a:rPr lang="ja-JP" altLang="en-US" b="1" dirty="0">
+                <a:solidFill>
+                  <a:srgbClr val="7030A0"/>
+                </a:solidFill>
+              </a:rPr>
+              <a:t>から番号を振る</a:t>
+            </a:r>
+            <a:endParaRPr kumimoji="1" lang="ja-JP" altLang="en-US" b="1" dirty="0">
+              <a:solidFill>
+                <a:srgbClr val="7030A0"/>
+              </a:solidFill>
+            </a:endParaRPr>
+          </a:p>
+        </p:txBody>
+      </p:sp>
+      <p:grpSp>
+        <p:nvGrpSpPr>
+          <p:cNvPr id="4" name="グループ化 3">
+            <a:extLst>
+              <a:ext uri="{FF2B5EF4-FFF2-40B4-BE49-F238E27FC236}">
+                <a16:creationId xmlns:a16="http://schemas.microsoft.com/office/drawing/2014/main" id="{A626F53D-4467-49B3-B11B-35299FD88260}"/>
+              </a:ext>
+            </a:extLst>
+          </p:cNvPr>
+          <p:cNvGrpSpPr/>
+          <p:nvPr/>
+        </p:nvGrpSpPr>
+        <p:grpSpPr>
+          <a:xfrm>
+            <a:off x="5027487" y="297946"/>
+            <a:ext cx="2137026" cy="5918880"/>
+            <a:chOff x="5027487" y="51370"/>
+            <a:chExt cx="2137026" cy="5918880"/>
+          </a:xfrm>
         </p:grpSpPr>
         <p:sp>
           <p:nvSpPr>
@@ -4286,13 +5106,15 @@
           </p:nvSpPr>
           <p:spPr>
             <a:xfrm>
-              <a:off x="4775767" y="359594"/>
-              <a:ext cx="2137026" cy="482887"/>
+              <a:off x="5027487" y="51370"/>
+              <a:ext cx="2137026" cy="336226"/>
             </a:xfrm>
             <a:prstGeom prst="rect">
               <a:avLst/>
             </a:prstGeom>
-            <a:grpFill/>
+            <a:solidFill>
+              <a:schemeClr val="accent5"/>
+            </a:solidFill>
             <a:ln>
               <a:solidFill>
                 <a:schemeClr val="accent5">
@@ -4344,13 +5166,15 @@
           </p:nvSpPr>
           <p:spPr>
             <a:xfrm>
-              <a:off x="4775767" y="893852"/>
-              <a:ext cx="2137026" cy="482887"/>
+              <a:off x="5027487" y="423365"/>
+              <a:ext cx="2137026" cy="336226"/>
             </a:xfrm>
             <a:prstGeom prst="rect">
               <a:avLst/>
             </a:prstGeom>
-            <a:grpFill/>
+            <a:solidFill>
+              <a:schemeClr val="accent5"/>
+            </a:solidFill>
             <a:ln>
               <a:solidFill>
                 <a:schemeClr val="accent5">
@@ -4402,13 +5226,15 @@
           </p:nvSpPr>
           <p:spPr>
             <a:xfrm>
-              <a:off x="4775767" y="1428110"/>
-              <a:ext cx="2137026" cy="482887"/>
+              <a:off x="5027487" y="795359"/>
+              <a:ext cx="2137026" cy="336226"/>
             </a:xfrm>
             <a:prstGeom prst="rect">
               <a:avLst/>
             </a:prstGeom>
-            <a:grpFill/>
+            <a:solidFill>
+              <a:schemeClr val="accent5"/>
+            </a:solidFill>
             <a:ln>
               <a:solidFill>
                 <a:schemeClr val="accent5">
@@ -4460,13 +5286,15 @@
           </p:nvSpPr>
           <p:spPr>
             <a:xfrm>
-              <a:off x="4775767" y="1962368"/>
-              <a:ext cx="2137026" cy="482887"/>
+              <a:off x="5027487" y="1167354"/>
+              <a:ext cx="2137026" cy="336226"/>
             </a:xfrm>
             <a:prstGeom prst="rect">
               <a:avLst/>
             </a:prstGeom>
-            <a:grpFill/>
+            <a:solidFill>
+              <a:schemeClr val="accent5"/>
+            </a:solidFill>
             <a:ln>
               <a:solidFill>
                 <a:schemeClr val="accent5">
@@ -4522,13 +5350,15 @@
           </p:nvSpPr>
           <p:spPr>
             <a:xfrm>
-              <a:off x="4775767" y="2496626"/>
-              <a:ext cx="2137026" cy="482887"/>
+              <a:off x="5027487" y="1539349"/>
+              <a:ext cx="2137026" cy="336226"/>
             </a:xfrm>
             <a:prstGeom prst="rect">
               <a:avLst/>
             </a:prstGeom>
-            <a:grpFill/>
+            <a:solidFill>
+              <a:schemeClr val="accent5"/>
+            </a:solidFill>
             <a:ln>
               <a:solidFill>
                 <a:schemeClr val="accent5">
@@ -4584,13 +5414,15 @@
           </p:nvSpPr>
           <p:spPr>
             <a:xfrm>
-              <a:off x="4775767" y="3030884"/>
-              <a:ext cx="2137026" cy="482887"/>
+              <a:off x="5027487" y="1911343"/>
+              <a:ext cx="2137026" cy="336226"/>
             </a:xfrm>
             <a:prstGeom prst="rect">
               <a:avLst/>
             </a:prstGeom>
-            <a:grpFill/>
+            <a:solidFill>
+              <a:schemeClr val="accent5"/>
+            </a:solidFill>
             <a:ln>
               <a:solidFill>
                 <a:schemeClr val="accent5">
@@ -4646,13 +5478,15 @@
           </p:nvSpPr>
           <p:spPr>
             <a:xfrm>
-              <a:off x="4775767" y="3565142"/>
-              <a:ext cx="2137026" cy="482887"/>
+              <a:off x="5027487" y="2283338"/>
+              <a:ext cx="2137026" cy="336226"/>
             </a:xfrm>
             <a:prstGeom prst="rect">
               <a:avLst/>
             </a:prstGeom>
-            <a:grpFill/>
+            <a:solidFill>
+              <a:schemeClr val="accent5"/>
+            </a:solidFill>
             <a:ln>
               <a:solidFill>
                 <a:schemeClr val="accent5">
@@ -4704,13 +5538,15 @@
           </p:nvSpPr>
           <p:spPr>
             <a:xfrm>
-              <a:off x="4775767" y="4099400"/>
-              <a:ext cx="2137026" cy="482887"/>
+              <a:off x="5027487" y="2655333"/>
+              <a:ext cx="2137026" cy="336226"/>
             </a:xfrm>
             <a:prstGeom prst="rect">
               <a:avLst/>
             </a:prstGeom>
-            <a:grpFill/>
+            <a:solidFill>
+              <a:schemeClr val="accent5"/>
+            </a:solidFill>
             <a:ln>
               <a:solidFill>
                 <a:schemeClr val="accent5">
@@ -4766,13 +5602,15 @@
           </p:nvSpPr>
           <p:spPr>
             <a:xfrm>
-              <a:off x="4775767" y="4633658"/>
-              <a:ext cx="2137026" cy="482887"/>
+              <a:off x="5027487" y="3027327"/>
+              <a:ext cx="2137026" cy="336226"/>
             </a:xfrm>
             <a:prstGeom prst="rect">
               <a:avLst/>
             </a:prstGeom>
-            <a:grpFill/>
+            <a:solidFill>
+              <a:schemeClr val="accent5"/>
+            </a:solidFill>
             <a:ln>
               <a:solidFill>
                 <a:schemeClr val="accent5">
@@ -4828,13 +5666,15 @@
           </p:nvSpPr>
           <p:spPr>
             <a:xfrm>
-              <a:off x="4775767" y="5167916"/>
-              <a:ext cx="2137026" cy="482887"/>
+              <a:off x="5027487" y="3399322"/>
+              <a:ext cx="2137026" cy="336226"/>
             </a:xfrm>
             <a:prstGeom prst="rect">
               <a:avLst/>
             </a:prstGeom>
-            <a:grpFill/>
+            <a:solidFill>
+              <a:schemeClr val="accent5"/>
+            </a:solidFill>
             <a:ln>
               <a:solidFill>
                 <a:schemeClr val="accent5">
@@ -4890,13 +5730,15 @@
           </p:nvSpPr>
           <p:spPr>
             <a:xfrm>
-              <a:off x="4775767" y="5702174"/>
-              <a:ext cx="2137026" cy="482887"/>
+              <a:off x="5027487" y="3771316"/>
+              <a:ext cx="2137026" cy="336226"/>
             </a:xfrm>
             <a:prstGeom prst="rect">
               <a:avLst/>
             </a:prstGeom>
-            <a:grpFill/>
+            <a:solidFill>
+              <a:schemeClr val="accent5"/>
+            </a:solidFill>
             <a:ln>
               <a:solidFill>
                 <a:schemeClr val="accent5">
@@ -4948,13 +5790,15 @@
           </p:nvSpPr>
           <p:spPr>
             <a:xfrm>
-              <a:off x="4775767" y="6236432"/>
-              <a:ext cx="2137026" cy="482887"/>
+              <a:off x="5027487" y="4143311"/>
+              <a:ext cx="2137026" cy="336226"/>
             </a:xfrm>
             <a:prstGeom prst="rect">
               <a:avLst/>
             </a:prstGeom>
-            <a:grpFill/>
+            <a:solidFill>
+              <a:schemeClr val="accent5"/>
+            </a:solidFill>
             <a:ln>
               <a:solidFill>
                 <a:schemeClr val="accent5">
@@ -4996,778 +5840,259 @@
             </a:p>
           </p:txBody>
         </p:sp>
+        <p:sp>
+          <p:nvSpPr>
+            <p:cNvPr id="33" name="正方形/長方形 32">
+              <a:extLst>
+                <a:ext uri="{FF2B5EF4-FFF2-40B4-BE49-F238E27FC236}">
+                  <a16:creationId xmlns:a16="http://schemas.microsoft.com/office/drawing/2014/main" id="{7B2692F4-8ED8-430C-98DA-752076F1C828}"/>
+                </a:ext>
+              </a:extLst>
+            </p:cNvPr>
+            <p:cNvSpPr/>
+            <p:nvPr/>
+          </p:nvSpPr>
+          <p:spPr>
+            <a:xfrm>
+              <a:off x="5027487" y="4518040"/>
+              <a:ext cx="2137026" cy="336226"/>
+            </a:xfrm>
+            <a:prstGeom prst="rect">
+              <a:avLst/>
+            </a:prstGeom>
+            <a:solidFill>
+              <a:schemeClr val="accent5"/>
+            </a:solidFill>
+            <a:ln>
+              <a:solidFill>
+                <a:schemeClr val="accent5">
+                  <a:lumMod val="75000"/>
+                </a:schemeClr>
+              </a:solidFill>
+            </a:ln>
+          </p:spPr>
+          <p:style>
+            <a:lnRef idx="2">
+              <a:schemeClr val="accent1">
+                <a:shade val="50000"/>
+              </a:schemeClr>
+            </a:lnRef>
+            <a:fillRef idx="1">
+              <a:schemeClr val="accent1"/>
+            </a:fillRef>
+            <a:effectRef idx="0">
+              <a:schemeClr val="accent1"/>
+            </a:effectRef>
+            <a:fontRef idx="minor">
+              <a:schemeClr val="lt1"/>
+            </a:fontRef>
+          </p:style>
+          <p:txBody>
+            <a:bodyPr rtlCol="0" anchor="ctr"/>
+            <a:lstStyle/>
+            <a:p>
+              <a:pPr algn="ctr"/>
+              <a:r>
+                <a:rPr lang="en-US" altLang="ja-JP" dirty="0"/>
+                <a:t>logo_original</a:t>
+              </a:r>
+              <a:r>
+                <a:rPr kumimoji="1" lang="en-US" altLang="ja-JP" dirty="0"/>
+                <a:t>.jpg</a:t>
+              </a:r>
+              <a:endParaRPr kumimoji="1" lang="ja-JP" altLang="en-US" dirty="0"/>
+            </a:p>
+          </p:txBody>
+        </p:sp>
+        <p:sp>
+          <p:nvSpPr>
+            <p:cNvPr id="34" name="正方形/長方形 33">
+              <a:extLst>
+                <a:ext uri="{FF2B5EF4-FFF2-40B4-BE49-F238E27FC236}">
+                  <a16:creationId xmlns:a16="http://schemas.microsoft.com/office/drawing/2014/main" id="{A03AE3D0-5D31-400C-A0DD-243ADF9DA457}"/>
+                </a:ext>
+              </a:extLst>
+            </p:cNvPr>
+            <p:cNvSpPr/>
+            <p:nvPr/>
+          </p:nvSpPr>
+          <p:spPr>
+            <a:xfrm>
+              <a:off x="5027487" y="4890035"/>
+              <a:ext cx="2137026" cy="336226"/>
+            </a:xfrm>
+            <a:prstGeom prst="rect">
+              <a:avLst/>
+            </a:prstGeom>
+            <a:solidFill>
+              <a:schemeClr val="accent5"/>
+            </a:solidFill>
+            <a:ln>
+              <a:solidFill>
+                <a:schemeClr val="accent5">
+                  <a:lumMod val="75000"/>
+                </a:schemeClr>
+              </a:solidFill>
+            </a:ln>
+          </p:spPr>
+          <p:style>
+            <a:lnRef idx="2">
+              <a:schemeClr val="accent1">
+                <a:shade val="50000"/>
+              </a:schemeClr>
+            </a:lnRef>
+            <a:fillRef idx="1">
+              <a:schemeClr val="accent1"/>
+            </a:fillRef>
+            <a:effectRef idx="0">
+              <a:schemeClr val="accent1"/>
+            </a:effectRef>
+            <a:fontRef idx="minor">
+              <a:schemeClr val="lt1"/>
+            </a:fontRef>
+          </p:style>
+          <p:txBody>
+            <a:bodyPr rtlCol="0" anchor="ctr"/>
+            <a:lstStyle/>
+            <a:p>
+              <a:pPr algn="ctr"/>
+              <a:r>
+                <a:rPr lang="en-US" altLang="ja-JP" dirty="0"/>
+                <a:t>t</a:t>
+              </a:r>
+              <a:r>
+                <a:rPr kumimoji="1" lang="en-US" altLang="ja-JP" dirty="0"/>
+                <a:t>witter.jpg</a:t>
+              </a:r>
+              <a:endParaRPr kumimoji="1" lang="ja-JP" altLang="en-US" dirty="0"/>
+            </a:p>
+          </p:txBody>
+        </p:sp>
+        <p:sp>
+          <p:nvSpPr>
+            <p:cNvPr id="35" name="正方形/長方形 34">
+              <a:extLst>
+                <a:ext uri="{FF2B5EF4-FFF2-40B4-BE49-F238E27FC236}">
+                  <a16:creationId xmlns:a16="http://schemas.microsoft.com/office/drawing/2014/main" id="{9031D47F-697D-4779-98B5-19779EE0C452}"/>
+                </a:ext>
+              </a:extLst>
+            </p:cNvPr>
+            <p:cNvSpPr/>
+            <p:nvPr/>
+          </p:nvSpPr>
+          <p:spPr>
+            <a:xfrm>
+              <a:off x="5027487" y="5262029"/>
+              <a:ext cx="2137026" cy="336226"/>
+            </a:xfrm>
+            <a:prstGeom prst="rect">
+              <a:avLst/>
+            </a:prstGeom>
+            <a:solidFill>
+              <a:schemeClr val="accent5"/>
+            </a:solidFill>
+            <a:ln>
+              <a:solidFill>
+                <a:schemeClr val="accent5">
+                  <a:lumMod val="75000"/>
+                </a:schemeClr>
+              </a:solidFill>
+            </a:ln>
+          </p:spPr>
+          <p:style>
+            <a:lnRef idx="2">
+              <a:schemeClr val="accent1">
+                <a:shade val="50000"/>
+              </a:schemeClr>
+            </a:lnRef>
+            <a:fillRef idx="1">
+              <a:schemeClr val="accent1"/>
+            </a:fillRef>
+            <a:effectRef idx="0">
+              <a:schemeClr val="accent1"/>
+            </a:effectRef>
+            <a:fontRef idx="minor">
+              <a:schemeClr val="lt1"/>
+            </a:fontRef>
+          </p:style>
+          <p:txBody>
+            <a:bodyPr rtlCol="0" anchor="ctr"/>
+            <a:lstStyle/>
+            <a:p>
+              <a:pPr algn="ctr"/>
+              <a:r>
+                <a:rPr lang="en-US" altLang="ja-JP" dirty="0"/>
+                <a:t>instagram</a:t>
+              </a:r>
+              <a:r>
+                <a:rPr kumimoji="1" lang="en-US" altLang="ja-JP" dirty="0"/>
+                <a:t>.jpg</a:t>
+              </a:r>
+              <a:endParaRPr kumimoji="1" lang="ja-JP" altLang="en-US" dirty="0"/>
+            </a:p>
+          </p:txBody>
+        </p:sp>
+        <p:sp>
+          <p:nvSpPr>
+            <p:cNvPr id="41" name="正方形/長方形 40">
+              <a:extLst>
+                <a:ext uri="{FF2B5EF4-FFF2-40B4-BE49-F238E27FC236}">
+                  <a16:creationId xmlns:a16="http://schemas.microsoft.com/office/drawing/2014/main" id="{33FAB5CE-E862-4389-BDD7-FD11D3B3A6AB}"/>
+                </a:ext>
+              </a:extLst>
+            </p:cNvPr>
+            <p:cNvSpPr/>
+            <p:nvPr/>
+          </p:nvSpPr>
+          <p:spPr>
+            <a:xfrm>
+              <a:off x="5027487" y="5634024"/>
+              <a:ext cx="2137026" cy="336226"/>
+            </a:xfrm>
+            <a:prstGeom prst="rect">
+              <a:avLst/>
+            </a:prstGeom>
+            <a:solidFill>
+              <a:schemeClr val="accent5"/>
+            </a:solidFill>
+            <a:ln>
+              <a:solidFill>
+                <a:schemeClr val="accent5">
+                  <a:lumMod val="75000"/>
+                </a:schemeClr>
+              </a:solidFill>
+            </a:ln>
+          </p:spPr>
+          <p:style>
+            <a:lnRef idx="2">
+              <a:schemeClr val="accent1">
+                <a:shade val="50000"/>
+              </a:schemeClr>
+            </a:lnRef>
+            <a:fillRef idx="1">
+              <a:schemeClr val="accent1"/>
+            </a:fillRef>
+            <a:effectRef idx="0">
+              <a:schemeClr val="accent1"/>
+            </a:effectRef>
+            <a:fontRef idx="minor">
+              <a:schemeClr val="lt1"/>
+            </a:fontRef>
+          </p:style>
+          <p:txBody>
+            <a:bodyPr rtlCol="0" anchor="ctr"/>
+            <a:lstStyle/>
+            <a:p>
+              <a:pPr algn="ctr"/>
+              <a:r>
+                <a:rPr kumimoji="1" lang="en-US" altLang="ja-JP" dirty="0"/>
+                <a:t>youtube.jpg</a:t>
+              </a:r>
+              <a:endParaRPr kumimoji="1" lang="ja-JP" altLang="en-US" dirty="0"/>
+            </a:p>
+          </p:txBody>
+        </p:sp>
       </p:grpSp>
-      <p:sp>
-        <p:nvSpPr>
-          <p:cNvPr id="36" name="正方形/長方形 35">
-            <a:extLst>
-              <a:ext uri="{FF2B5EF4-FFF2-40B4-BE49-F238E27FC236}">
-                <a16:creationId xmlns:a16="http://schemas.microsoft.com/office/drawing/2014/main" id="{E160CB88-2DED-46E1-A575-1134DE51A830}"/>
-              </a:ext>
-            </a:extLst>
-          </p:cNvPr>
-          <p:cNvSpPr/>
-          <p:nvPr/>
-        </p:nvSpPr>
-        <p:spPr>
-          <a:xfrm>
-            <a:off x="8796391" y="4166174"/>
-            <a:ext cx="2137026" cy="482887"/>
-          </a:xfrm>
-          <a:prstGeom prst="rect">
-            <a:avLst/>
-          </a:prstGeom>
-          <a:solidFill>
-            <a:srgbClr val="7030A0"/>
-          </a:solidFill>
-          <a:ln>
-            <a:solidFill>
-              <a:srgbClr val="002060"/>
-            </a:solidFill>
-          </a:ln>
-        </p:spPr>
-        <p:style>
-          <a:lnRef idx="2">
-            <a:schemeClr val="accent1">
-              <a:shade val="50000"/>
-            </a:schemeClr>
-          </a:lnRef>
-          <a:fillRef idx="1">
-            <a:schemeClr val="accent1"/>
-          </a:fillRef>
-          <a:effectRef idx="0">
-            <a:schemeClr val="accent1"/>
-          </a:effectRef>
-          <a:fontRef idx="minor">
-            <a:schemeClr val="lt1"/>
-          </a:fontRef>
-        </p:style>
-        <p:txBody>
-          <a:bodyPr rtlCol="0" anchor="ctr"/>
-          <a:lstStyle/>
-          <a:p>
-            <a:pPr algn="ctr"/>
-            <a:r>
-              <a:rPr lang="en-US" altLang="ja-JP" dirty="0"/>
-              <a:t>lab01.pdf</a:t>
-            </a:r>
-            <a:endParaRPr kumimoji="1" lang="ja-JP" altLang="en-US" dirty="0"/>
-          </a:p>
-        </p:txBody>
-      </p:sp>
-      <p:sp>
-        <p:nvSpPr>
-          <p:cNvPr id="37" name="正方形/長方形 36">
-            <a:extLst>
-              <a:ext uri="{FF2B5EF4-FFF2-40B4-BE49-F238E27FC236}">
-                <a16:creationId xmlns:a16="http://schemas.microsoft.com/office/drawing/2014/main" id="{5F420B72-83EC-4EA8-AB2D-9D47A43735E0}"/>
-              </a:ext>
-            </a:extLst>
-          </p:cNvPr>
-          <p:cNvSpPr/>
-          <p:nvPr/>
-        </p:nvSpPr>
-        <p:spPr>
-          <a:xfrm>
-            <a:off x="8796391" y="4700432"/>
-            <a:ext cx="2137026" cy="482887"/>
-          </a:xfrm>
-          <a:prstGeom prst="rect">
-            <a:avLst/>
-          </a:prstGeom>
-          <a:solidFill>
-            <a:srgbClr val="7030A0"/>
-          </a:solidFill>
-          <a:ln>
-            <a:solidFill>
-              <a:srgbClr val="002060"/>
-            </a:solidFill>
-          </a:ln>
-        </p:spPr>
-        <p:style>
-          <a:lnRef idx="2">
-            <a:schemeClr val="accent1">
-              <a:shade val="50000"/>
-            </a:schemeClr>
-          </a:lnRef>
-          <a:fillRef idx="1">
-            <a:schemeClr val="accent1"/>
-          </a:fillRef>
-          <a:effectRef idx="0">
-            <a:schemeClr val="accent1"/>
-          </a:effectRef>
-          <a:fontRef idx="minor">
-            <a:schemeClr val="lt1"/>
-          </a:fontRef>
-        </p:style>
-        <p:txBody>
-          <a:bodyPr rtlCol="0" anchor="ctr"/>
-          <a:lstStyle/>
-          <a:p>
-            <a:pPr algn="ctr"/>
-            <a:r>
-              <a:rPr lang="en-US" altLang="ja-JP" dirty="0"/>
-              <a:t>lab02.pdf</a:t>
-            </a:r>
-            <a:endParaRPr kumimoji="1" lang="ja-JP" altLang="en-US" dirty="0"/>
-          </a:p>
-        </p:txBody>
-      </p:sp>
-      <p:sp>
-        <p:nvSpPr>
-          <p:cNvPr id="38" name="正方形/長方形 37">
-            <a:extLst>
-              <a:ext uri="{FF2B5EF4-FFF2-40B4-BE49-F238E27FC236}">
-                <a16:creationId xmlns:a16="http://schemas.microsoft.com/office/drawing/2014/main" id="{EC528CD1-C7D9-46EE-ACC3-BEB8F0B72EA3}"/>
-              </a:ext>
-            </a:extLst>
-          </p:cNvPr>
-          <p:cNvSpPr/>
-          <p:nvPr/>
-        </p:nvSpPr>
-        <p:spPr>
-          <a:xfrm>
-            <a:off x="8796391" y="5234690"/>
-            <a:ext cx="2137026" cy="482887"/>
-          </a:xfrm>
-          <a:prstGeom prst="rect">
-            <a:avLst/>
-          </a:prstGeom>
-          <a:solidFill>
-            <a:srgbClr val="7030A0"/>
-          </a:solidFill>
-          <a:ln>
-            <a:solidFill>
-              <a:srgbClr val="002060"/>
-            </a:solidFill>
-          </a:ln>
-        </p:spPr>
-        <p:style>
-          <a:lnRef idx="2">
-            <a:schemeClr val="accent1">
-              <a:shade val="50000"/>
-            </a:schemeClr>
-          </a:lnRef>
-          <a:fillRef idx="1">
-            <a:schemeClr val="accent1"/>
-          </a:fillRef>
-          <a:effectRef idx="0">
-            <a:schemeClr val="accent1"/>
-          </a:effectRef>
-          <a:fontRef idx="minor">
-            <a:schemeClr val="lt1"/>
-          </a:fontRef>
-        </p:style>
-        <p:txBody>
-          <a:bodyPr rtlCol="0" anchor="ctr"/>
-          <a:lstStyle/>
-          <a:p>
-            <a:pPr algn="ctr"/>
-            <a:r>
-              <a:rPr lang="en-US" altLang="ja-JP" dirty="0"/>
-              <a:t>lab03.pdf</a:t>
-            </a:r>
-            <a:endParaRPr kumimoji="1" lang="ja-JP" altLang="en-US" dirty="0"/>
-          </a:p>
-        </p:txBody>
-      </p:sp>
-      <p:sp>
-        <p:nvSpPr>
-          <p:cNvPr id="39" name="正方形/長方形 38">
-            <a:extLst>
-              <a:ext uri="{FF2B5EF4-FFF2-40B4-BE49-F238E27FC236}">
-                <a16:creationId xmlns:a16="http://schemas.microsoft.com/office/drawing/2014/main" id="{796C1382-4405-4CE7-BB1D-EBF839CDA3E6}"/>
-              </a:ext>
-            </a:extLst>
-          </p:cNvPr>
-          <p:cNvSpPr/>
-          <p:nvPr/>
-        </p:nvSpPr>
-        <p:spPr>
-          <a:xfrm>
-            <a:off x="8796391" y="5768948"/>
-            <a:ext cx="2137026" cy="482887"/>
-          </a:xfrm>
-          <a:prstGeom prst="rect">
-            <a:avLst/>
-          </a:prstGeom>
-          <a:solidFill>
-            <a:srgbClr val="7030A0"/>
-          </a:solidFill>
-          <a:ln>
-            <a:solidFill>
-              <a:srgbClr val="002060"/>
-            </a:solidFill>
-          </a:ln>
-        </p:spPr>
-        <p:style>
-          <a:lnRef idx="2">
-            <a:schemeClr val="accent1">
-              <a:shade val="50000"/>
-            </a:schemeClr>
-          </a:lnRef>
-          <a:fillRef idx="1">
-            <a:schemeClr val="accent1"/>
-          </a:fillRef>
-          <a:effectRef idx="0">
-            <a:schemeClr val="accent1"/>
-          </a:effectRef>
-          <a:fontRef idx="minor">
-            <a:schemeClr val="lt1"/>
-          </a:fontRef>
-        </p:style>
-        <p:txBody>
-          <a:bodyPr rtlCol="0" anchor="ctr"/>
-          <a:lstStyle/>
-          <a:p>
-            <a:pPr algn="ctr"/>
-            <a:r>
-              <a:rPr lang="en-US" altLang="ja-JP" dirty="0"/>
-              <a:t>l</a:t>
-            </a:r>
-            <a:r>
-              <a:rPr kumimoji="1" lang="en-US" altLang="ja-JP" dirty="0"/>
-              <a:t>ab04.pdf</a:t>
-            </a:r>
-            <a:endParaRPr kumimoji="1" lang="ja-JP" altLang="en-US" dirty="0"/>
-          </a:p>
-        </p:txBody>
-      </p:sp>
-      <p:sp>
-        <p:nvSpPr>
-          <p:cNvPr id="40" name="正方形/長方形 39">
-            <a:extLst>
-              <a:ext uri="{FF2B5EF4-FFF2-40B4-BE49-F238E27FC236}">
-                <a16:creationId xmlns:a16="http://schemas.microsoft.com/office/drawing/2014/main" id="{74B6A5F0-6AE9-461D-AE60-2FC804A34C03}"/>
-              </a:ext>
-            </a:extLst>
-          </p:cNvPr>
-          <p:cNvSpPr/>
-          <p:nvPr/>
-        </p:nvSpPr>
-        <p:spPr>
-          <a:xfrm>
-            <a:off x="8796391" y="6303206"/>
-            <a:ext cx="2137026" cy="482887"/>
-          </a:xfrm>
-          <a:prstGeom prst="rect">
-            <a:avLst/>
-          </a:prstGeom>
-          <a:solidFill>
-            <a:srgbClr val="7030A0"/>
-          </a:solidFill>
-          <a:ln>
-            <a:solidFill>
-              <a:srgbClr val="002060"/>
-            </a:solidFill>
-          </a:ln>
-        </p:spPr>
-        <p:style>
-          <a:lnRef idx="2">
-            <a:schemeClr val="accent1">
-              <a:shade val="50000"/>
-            </a:schemeClr>
-          </a:lnRef>
-          <a:fillRef idx="1">
-            <a:schemeClr val="accent1"/>
-          </a:fillRef>
-          <a:effectRef idx="0">
-            <a:schemeClr val="accent1"/>
-          </a:effectRef>
-          <a:fontRef idx="minor">
-            <a:schemeClr val="lt1"/>
-          </a:fontRef>
-        </p:style>
-        <p:txBody>
-          <a:bodyPr rtlCol="0" anchor="ctr"/>
-          <a:lstStyle/>
-          <a:p>
-            <a:pPr algn="ctr"/>
-            <a:r>
-              <a:rPr lang="en-US" altLang="ja-JP" dirty="0"/>
-              <a:t>lab05.pdf</a:t>
-            </a:r>
-            <a:endParaRPr kumimoji="1" lang="ja-JP" altLang="en-US" dirty="0"/>
-          </a:p>
-        </p:txBody>
-      </p:sp>
-      <p:cxnSp>
-        <p:nvCxnSpPr>
-          <p:cNvPr id="42" name="コネクタ: カギ線 41">
-            <a:extLst>
-              <a:ext uri="{FF2B5EF4-FFF2-40B4-BE49-F238E27FC236}">
-                <a16:creationId xmlns:a16="http://schemas.microsoft.com/office/drawing/2014/main" id="{BFA4AB3F-97C4-4585-9570-BFB624AD0481}"/>
-              </a:ext>
-            </a:extLst>
-          </p:cNvPr>
-          <p:cNvCxnSpPr>
-            <a:stCxn id="12" idx="3"/>
-            <a:endCxn id="14" idx="1"/>
-          </p:cNvCxnSpPr>
-          <p:nvPr/>
-        </p:nvCxnSpPr>
-        <p:spPr>
-          <a:xfrm flipV="1">
-            <a:off x="3246633" y="272266"/>
-            <a:ext cx="1780854" cy="5494103"/>
-          </a:xfrm>
-          <a:prstGeom prst="bentConnector3">
-            <a:avLst/>
-          </a:prstGeom>
-        </p:spPr>
-        <p:style>
-          <a:lnRef idx="1">
-            <a:schemeClr val="dk1"/>
-          </a:lnRef>
-          <a:fillRef idx="0">
-            <a:schemeClr val="dk1"/>
-          </a:fillRef>
-          <a:effectRef idx="0">
-            <a:schemeClr val="dk1"/>
-          </a:effectRef>
-          <a:fontRef idx="minor">
-            <a:schemeClr val="tx1"/>
-          </a:fontRef>
-        </p:style>
-      </p:cxnSp>
-      <p:cxnSp>
-        <p:nvCxnSpPr>
-          <p:cNvPr id="47" name="コネクタ: カギ線 46">
-            <a:extLst>
-              <a:ext uri="{FF2B5EF4-FFF2-40B4-BE49-F238E27FC236}">
-                <a16:creationId xmlns:a16="http://schemas.microsoft.com/office/drawing/2014/main" id="{E17BB24E-0473-44DE-B55C-F336381CAE5D}"/>
-              </a:ext>
-            </a:extLst>
-          </p:cNvPr>
-          <p:cNvCxnSpPr>
-            <a:cxnSpLocks/>
-          </p:cNvCxnSpPr>
-          <p:nvPr/>
-        </p:nvCxnSpPr>
-        <p:spPr>
-          <a:xfrm flipV="1">
-            <a:off x="3246632" y="4458989"/>
-            <a:ext cx="5549759" cy="2065956"/>
-          </a:xfrm>
-          <a:prstGeom prst="bentConnector3">
-            <a:avLst>
-              <a:gd name="adj1" fmla="val 84804"/>
-            </a:avLst>
-          </a:prstGeom>
-        </p:spPr>
-        <p:style>
-          <a:lnRef idx="1">
-            <a:schemeClr val="dk1"/>
-          </a:lnRef>
-          <a:fillRef idx="0">
-            <a:schemeClr val="dk1"/>
-          </a:fillRef>
-          <a:effectRef idx="0">
-            <a:schemeClr val="dk1"/>
-          </a:effectRef>
-          <a:fontRef idx="minor">
-            <a:schemeClr val="tx1"/>
-          </a:fontRef>
-        </p:style>
-      </p:cxnSp>
-      <p:sp>
-        <p:nvSpPr>
-          <p:cNvPr id="51" name="テキスト ボックス 50">
-            <a:extLst>
-              <a:ext uri="{FF2B5EF4-FFF2-40B4-BE49-F238E27FC236}">
-                <a16:creationId xmlns:a16="http://schemas.microsoft.com/office/drawing/2014/main" id="{F48AD80A-6297-4025-922A-63CDD47DBFDF}"/>
-              </a:ext>
-            </a:extLst>
-          </p:cNvPr>
-          <p:cNvSpPr txBox="1"/>
-          <p:nvPr/>
-        </p:nvSpPr>
-        <p:spPr>
-          <a:xfrm>
-            <a:off x="7931649" y="138703"/>
-            <a:ext cx="4017196" cy="3970318"/>
-          </a:xfrm>
-          <a:prstGeom prst="rect">
-            <a:avLst/>
-          </a:prstGeom>
-          <a:noFill/>
-        </p:spPr>
-        <p:txBody>
-          <a:bodyPr wrap="square" rtlCol="0">
-            <a:spAutoFit/>
-          </a:bodyPr>
-          <a:lstStyle/>
-          <a:p>
-            <a:r>
-              <a:rPr lang="en-US" altLang="ja-JP" b="1" dirty="0">
-                <a:solidFill>
-                  <a:schemeClr val="accent1"/>
-                </a:solidFill>
-              </a:rPr>
-              <a:t>h</a:t>
-            </a:r>
-            <a:r>
-              <a:rPr kumimoji="1" lang="en-US" altLang="ja-JP" b="1" dirty="0">
-                <a:solidFill>
-                  <a:schemeClr val="accent1"/>
-                </a:solidFill>
-              </a:rPr>
-              <a:t>tml</a:t>
-            </a:r>
-            <a:r>
-              <a:rPr kumimoji="1" lang="ja-JP" altLang="en-US" b="1" dirty="0">
-                <a:solidFill>
-                  <a:schemeClr val="accent1"/>
-                </a:solidFill>
-              </a:rPr>
-              <a:t>は「研究室紹介とは」の</a:t>
-            </a:r>
-            <a:r>
-              <a:rPr kumimoji="1" lang="en-US" altLang="ja-JP" b="1" dirty="0">
-                <a:solidFill>
-                  <a:schemeClr val="accent1"/>
-                </a:solidFill>
-              </a:rPr>
-              <a:t>Index</a:t>
-            </a:r>
-            <a:r>
-              <a:rPr kumimoji="1" lang="ja-JP" altLang="en-US" b="1" dirty="0">
-                <a:solidFill>
-                  <a:schemeClr val="accent1"/>
-                </a:solidFill>
-              </a:rPr>
-              <a:t>と各研究室の</a:t>
-            </a:r>
-            <a:r>
-              <a:rPr kumimoji="1" lang="en-US" altLang="ja-JP" b="1" dirty="0">
-                <a:solidFill>
-                  <a:schemeClr val="accent1"/>
-                </a:solidFill>
-              </a:rPr>
-              <a:t>lab01~05</a:t>
-            </a:r>
-          </a:p>
-          <a:p>
-            <a:endParaRPr kumimoji="1" lang="en-US" altLang="ja-JP" b="1" dirty="0">
-              <a:solidFill>
-                <a:schemeClr val="accent1"/>
-              </a:solidFill>
-            </a:endParaRPr>
-          </a:p>
-          <a:p>
-            <a:r>
-              <a:rPr lang="en-US" altLang="ja-JP" b="1" dirty="0" err="1">
-                <a:solidFill>
-                  <a:schemeClr val="accent2"/>
-                </a:solidFill>
-              </a:rPr>
-              <a:t>css</a:t>
-            </a:r>
-            <a:r>
-              <a:rPr lang="ja-JP" altLang="en-US" b="1" dirty="0">
-                <a:solidFill>
-                  <a:schemeClr val="accent2"/>
-                </a:solidFill>
-              </a:rPr>
-              <a:t>は全ページ統一で</a:t>
-            </a:r>
-            <a:r>
-              <a:rPr lang="en-US" altLang="ja-JP" b="1" dirty="0">
-                <a:solidFill>
-                  <a:schemeClr val="accent2"/>
-                </a:solidFill>
-              </a:rPr>
-              <a:t>style</a:t>
-            </a:r>
-          </a:p>
-          <a:p>
-            <a:endParaRPr kumimoji="1" lang="en-US" altLang="ja-JP" b="1" dirty="0">
-              <a:solidFill>
-                <a:schemeClr val="accent5"/>
-              </a:solidFill>
-            </a:endParaRPr>
-          </a:p>
-          <a:p>
-            <a:r>
-              <a:rPr kumimoji="1" lang="ja-JP" altLang="en-US" b="1" dirty="0">
-                <a:solidFill>
-                  <a:schemeClr val="accent5"/>
-                </a:solidFill>
-              </a:rPr>
-              <a:t>写真は</a:t>
-            </a:r>
-            <a:r>
-              <a:rPr kumimoji="1" lang="en-US" altLang="ja-JP" b="1" dirty="0" err="1">
-                <a:solidFill>
-                  <a:schemeClr val="accent6"/>
-                </a:solidFill>
-              </a:rPr>
-              <a:t>yaganaviPhoto</a:t>
-            </a:r>
-            <a:r>
-              <a:rPr lang="ja-JP" altLang="en-US" b="1" dirty="0">
-                <a:solidFill>
-                  <a:schemeClr val="accent5"/>
-                </a:solidFill>
-              </a:rPr>
-              <a:t>に収納</a:t>
-            </a:r>
-            <a:endParaRPr lang="en-US" altLang="ja-JP" b="1" dirty="0">
-              <a:solidFill>
-                <a:schemeClr val="accent5"/>
-              </a:solidFill>
-            </a:endParaRPr>
-          </a:p>
-          <a:p>
-            <a:r>
-              <a:rPr kumimoji="1" lang="ja-JP" altLang="en-US" b="1" dirty="0">
-                <a:solidFill>
-                  <a:schemeClr val="accent5"/>
-                </a:solidFill>
-              </a:rPr>
-              <a:t>それぞれスマホ用と</a:t>
-            </a:r>
-            <a:r>
-              <a:rPr kumimoji="1" lang="en-US" altLang="ja-JP" b="1" dirty="0">
-                <a:solidFill>
-                  <a:schemeClr val="accent5"/>
-                </a:solidFill>
-              </a:rPr>
-              <a:t>PC</a:t>
-            </a:r>
-            <a:r>
-              <a:rPr kumimoji="1" lang="ja-JP" altLang="en-US" b="1" dirty="0">
-                <a:solidFill>
-                  <a:schemeClr val="accent5"/>
-                </a:solidFill>
-              </a:rPr>
-              <a:t>用で</a:t>
-            </a:r>
-            <a:r>
-              <a:rPr kumimoji="1" lang="en-US" altLang="ja-JP" b="1" dirty="0">
-                <a:solidFill>
-                  <a:schemeClr val="accent5"/>
-                </a:solidFill>
-              </a:rPr>
-              <a:t>2</a:t>
-            </a:r>
-            <a:r>
-              <a:rPr kumimoji="1" lang="ja-JP" altLang="en-US" b="1" dirty="0">
-                <a:solidFill>
-                  <a:schemeClr val="accent5"/>
-                </a:solidFill>
-              </a:rPr>
-              <a:t>つずつ</a:t>
-            </a:r>
-            <a:endParaRPr kumimoji="1" lang="en-US" altLang="ja-JP" b="1" dirty="0">
-              <a:solidFill>
-                <a:schemeClr val="accent5"/>
-              </a:solidFill>
-            </a:endParaRPr>
-          </a:p>
-          <a:p>
-            <a:r>
-              <a:rPr lang="en-US" altLang="ja-JP" b="1" dirty="0">
-                <a:solidFill>
-                  <a:schemeClr val="accent5"/>
-                </a:solidFill>
-              </a:rPr>
-              <a:t>h</a:t>
-            </a:r>
-            <a:r>
-              <a:rPr lang="ja-JP" altLang="en-US" b="1" dirty="0">
-                <a:solidFill>
-                  <a:schemeClr val="accent5"/>
-                </a:solidFill>
-              </a:rPr>
-              <a:t>は</a:t>
-            </a:r>
-            <a:r>
-              <a:rPr lang="en-US" altLang="ja-JP" b="1" dirty="0">
-                <a:solidFill>
-                  <a:schemeClr val="accent5"/>
-                </a:solidFill>
-              </a:rPr>
-              <a:t>horizontal(PC</a:t>
-            </a:r>
-            <a:r>
-              <a:rPr lang="ja-JP" altLang="en-US" b="1" dirty="0">
-                <a:solidFill>
-                  <a:schemeClr val="accent5"/>
-                </a:solidFill>
-              </a:rPr>
-              <a:t>用</a:t>
-            </a:r>
-            <a:r>
-              <a:rPr lang="en-US" altLang="ja-JP" b="1" dirty="0">
-                <a:solidFill>
-                  <a:schemeClr val="accent5"/>
-                </a:solidFill>
-              </a:rPr>
-              <a:t>)</a:t>
-            </a:r>
-          </a:p>
-          <a:p>
-            <a:r>
-              <a:rPr lang="en-US" altLang="ja-JP" b="1" dirty="0">
-                <a:solidFill>
-                  <a:schemeClr val="accent5"/>
-                </a:solidFill>
-              </a:rPr>
-              <a:t>v</a:t>
-            </a:r>
-            <a:r>
-              <a:rPr lang="ja-JP" altLang="en-US" b="1" dirty="0">
-                <a:solidFill>
-                  <a:schemeClr val="accent5"/>
-                </a:solidFill>
-              </a:rPr>
-              <a:t>は</a:t>
-            </a:r>
-            <a:r>
-              <a:rPr lang="en-US" altLang="ja-JP" b="1" dirty="0">
-                <a:solidFill>
-                  <a:schemeClr val="accent5"/>
-                </a:solidFill>
-              </a:rPr>
-              <a:t>vertical(</a:t>
-            </a:r>
-            <a:r>
-              <a:rPr lang="ja-JP" altLang="en-US" b="1" dirty="0">
-                <a:solidFill>
-                  <a:schemeClr val="accent5"/>
-                </a:solidFill>
-              </a:rPr>
-              <a:t>スマホ用</a:t>
-            </a:r>
-            <a:r>
-              <a:rPr lang="en-US" altLang="ja-JP" b="1" dirty="0">
-                <a:solidFill>
-                  <a:schemeClr val="accent5"/>
-                </a:solidFill>
-              </a:rPr>
-              <a:t>)</a:t>
-            </a:r>
-          </a:p>
-          <a:p>
-            <a:endParaRPr kumimoji="1" lang="en-US" altLang="ja-JP" b="1" dirty="0">
-              <a:solidFill>
-                <a:srgbClr val="7030A0"/>
-              </a:solidFill>
-            </a:endParaRPr>
-          </a:p>
-          <a:p>
-            <a:r>
-              <a:rPr kumimoji="1" lang="ja-JP" altLang="en-US" b="1" dirty="0">
-                <a:solidFill>
-                  <a:srgbClr val="7030A0"/>
-                </a:solidFill>
-              </a:rPr>
-              <a:t>研究室紹介のコンテンツは</a:t>
-            </a:r>
-            <a:r>
-              <a:rPr kumimoji="1" lang="en-US" altLang="ja-JP" b="1" dirty="0">
-                <a:solidFill>
-                  <a:srgbClr val="7030A0"/>
-                </a:solidFill>
-              </a:rPr>
-              <a:t>pdf</a:t>
-            </a:r>
-            <a:r>
-              <a:rPr kumimoji="1" lang="ja-JP" altLang="en-US" b="1" dirty="0">
-                <a:solidFill>
-                  <a:srgbClr val="7030A0"/>
-                </a:solidFill>
-              </a:rPr>
-              <a:t>にして</a:t>
-            </a:r>
-            <a:r>
-              <a:rPr kumimoji="1" lang="en-US" altLang="ja-JP" b="1" dirty="0" err="1">
-                <a:solidFill>
-                  <a:schemeClr val="accent6"/>
-                </a:solidFill>
-              </a:rPr>
-              <a:t>yaganaviContents</a:t>
-            </a:r>
-            <a:r>
-              <a:rPr kumimoji="1" lang="ja-JP" altLang="en-US" b="1" dirty="0">
-                <a:solidFill>
-                  <a:srgbClr val="7030A0"/>
-                </a:solidFill>
-              </a:rPr>
-              <a:t>に収納</a:t>
-            </a:r>
-            <a:endParaRPr kumimoji="1" lang="en-US" altLang="ja-JP" b="1" dirty="0">
-              <a:solidFill>
-                <a:srgbClr val="7030A0"/>
-              </a:solidFill>
-            </a:endParaRPr>
-          </a:p>
-          <a:p>
-            <a:r>
-              <a:rPr lang="ja-JP" altLang="en-US" b="1" dirty="0">
-                <a:solidFill>
-                  <a:srgbClr val="7030A0"/>
-                </a:solidFill>
-              </a:rPr>
-              <a:t>複数ある場合は</a:t>
-            </a:r>
-            <a:r>
-              <a:rPr lang="en-US" altLang="ja-JP" b="1" dirty="0">
-                <a:solidFill>
-                  <a:srgbClr val="7030A0"/>
-                </a:solidFill>
-              </a:rPr>
-              <a:t>lab011</a:t>
-            </a:r>
-            <a:r>
-              <a:rPr lang="ja-JP" altLang="en-US" b="1" dirty="0">
-                <a:solidFill>
-                  <a:srgbClr val="7030A0"/>
-                </a:solidFill>
-              </a:rPr>
-              <a:t>と</a:t>
-            </a:r>
-            <a:r>
-              <a:rPr lang="en-US" altLang="ja-JP" b="1" dirty="0">
-                <a:solidFill>
-                  <a:srgbClr val="7030A0"/>
-                </a:solidFill>
-              </a:rPr>
-              <a:t>lab012</a:t>
-            </a:r>
-            <a:r>
-              <a:rPr lang="ja-JP" altLang="en-US" b="1" dirty="0">
-                <a:solidFill>
-                  <a:srgbClr val="7030A0"/>
-                </a:solidFill>
-              </a:rPr>
-              <a:t>のように末尾に</a:t>
-            </a:r>
-            <a:r>
-              <a:rPr lang="en-US" altLang="ja-JP" b="1" dirty="0">
-                <a:solidFill>
-                  <a:srgbClr val="7030A0"/>
-                </a:solidFill>
-              </a:rPr>
-              <a:t>1</a:t>
-            </a:r>
-            <a:r>
-              <a:rPr lang="ja-JP" altLang="en-US" b="1" dirty="0">
-                <a:solidFill>
-                  <a:srgbClr val="7030A0"/>
-                </a:solidFill>
-              </a:rPr>
-              <a:t>から番号を振る</a:t>
-            </a:r>
-            <a:endParaRPr kumimoji="1" lang="ja-JP" altLang="en-US" b="1" dirty="0">
-              <a:solidFill>
-                <a:srgbClr val="7030A0"/>
-              </a:solidFill>
-            </a:endParaRPr>
-          </a:p>
-        </p:txBody>
-      </p:sp>
     </p:spTree>
     <p:extLst>
       <p:ext uri="{BB962C8B-B14F-4D97-AF65-F5344CB8AC3E}">
